--- a/data8/slides/lab9.pptx
+++ b/data8/slides/lab9.pptx
@@ -9,17 +9,24 @@
     <p:sldMasterId id="2147483699" r:id="rId5"/>
   </p:sldMasterIdLst>
   <p:notesMasterIdLst>
-    <p:notesMasterId r:id="rId11"/>
+    <p:notesMasterId r:id="rId18"/>
   </p:notesMasterIdLst>
   <p:handoutMasterIdLst>
-    <p:handoutMasterId r:id="rId12"/>
+    <p:handoutMasterId r:id="rId19"/>
   </p:handoutMasterIdLst>
   <p:sldIdLst>
     <p:sldId id="256" r:id="rId6"/>
     <p:sldId id="289" r:id="rId7"/>
-    <p:sldId id="297" r:id="rId8"/>
-    <p:sldId id="267" r:id="rId9"/>
-    <p:sldId id="266" r:id="rId10"/>
+    <p:sldId id="287" r:id="rId8"/>
+    <p:sldId id="290" r:id="rId9"/>
+    <p:sldId id="292" r:id="rId10"/>
+    <p:sldId id="293" r:id="rId11"/>
+    <p:sldId id="294" r:id="rId12"/>
+    <p:sldId id="295" r:id="rId13"/>
+    <p:sldId id="296" r:id="rId14"/>
+    <p:sldId id="297" r:id="rId15"/>
+    <p:sldId id="267" r:id="rId16"/>
+    <p:sldId id="266" r:id="rId17"/>
   </p:sldIdLst>
   <p:sldSz cx="9144000" cy="6858000" type="screen4x3"/>
   <p:notesSz cx="6858000" cy="9144000"/>
@@ -203,7 +210,7 @@
           <a:p>
             <a:fld id="{97CB1905-1EEB-6545-B5E2-B70E8868255E}" type="datetimeFigureOut">
               <a:rPr lang="en-US" smtClean="0"/>
-              <a:t>9/2/2019</a:t>
+              <a:t>10/14/2019</a:t>
             </a:fld>
             <a:endParaRPr lang="en-US"/>
           </a:p>
@@ -369,7 +376,7 @@
           <a:p>
             <a:fld id="{5F53F6BF-7462-9046-A2B6-90C29244BD27}" type="datetimeFigureOut">
               <a:rPr lang="en-US" smtClean="0"/>
-              <a:t>9/2/2019</a:t>
+              <a:t>10/14/2019</a:t>
             </a:fld>
             <a:endParaRPr lang="en-US"/>
           </a:p>
@@ -7656,7 +7663,10 @@
               <a:t>Data 8, Lab </a:t>
             </a:r>
             <a:r>
-              <a:rPr lang="en-US" dirty="0">
+              <a:rPr lang="en-US" dirty="0" smtClean="0">
+                <a:solidFill>
+                  <a:srgbClr val="C28220"/>
+                </a:solidFill>
                 <a:latin typeface="Avenir LT Std 45 Book" pitchFamily="34" charset="0"/>
               </a:rPr>
               <a:t>9</a:t>
@@ -7696,11 +7706,8 @@
               <a:rPr lang="en-US" b="1" dirty="0" smtClean="0">
                 <a:latin typeface="Avenir LT Std 45 Book" pitchFamily="34" charset="0"/>
               </a:rPr>
-              <a:t>Correlation, Linear Regression, and Residuals</a:t>
-            </a:r>
-            <a:endParaRPr lang="en-US" b="1" dirty="0" smtClean="0">
-              <a:latin typeface="Avenir LT Std 45 Book" pitchFamily="34" charset="0"/>
-            </a:endParaRPr>
+              <a:t>Skewness, Normality, and Sample Means</a:t>
+            </a:r>
           </a:p>
           <a:p>
             <a:endParaRPr lang="en-US" b="1" dirty="0">
@@ -7733,13 +7740,7 @@
               <a:rPr lang="en-US" dirty="0" smtClean="0">
                 <a:latin typeface="Avenir LT Std 45 Book" pitchFamily="34" charset="0"/>
               </a:rPr>
-              <a:t>15</a:t>
-            </a:r>
-            <a:r>
-              <a:rPr lang="en-US" dirty="0" smtClean="0">
-                <a:latin typeface="Avenir LT Std 45 Book" pitchFamily="34" charset="0"/>
-              </a:rPr>
-              <a:t> November 2019</a:t>
+              <a:t>8 November 2019</a:t>
             </a:r>
             <a:endParaRPr lang="en-US" dirty="0">
               <a:latin typeface="Avenir LT Std 45 Book" pitchFamily="34" charset="0"/>
@@ -7751,6 +7752,351 @@
     <p:extLst>
       <p:ext uri="{BB962C8B-B14F-4D97-AF65-F5344CB8AC3E}">
         <p14:creationId xmlns:p14="http://schemas.microsoft.com/office/powerpoint/2010/main" val="1276399452"/>
+      </p:ext>
+    </p:extLst>
+  </p:cSld>
+  <p:clrMapOvr>
+    <a:masterClrMapping/>
+  </p:clrMapOvr>
+  <p:timing>
+    <p:tnLst>
+      <p:par>
+        <p:cTn id="1" dur="indefinite" restart="never" nodeType="tmRoot"/>
+      </p:par>
+    </p:tnLst>
+  </p:timing>
+</p:sld>
+</file>
+
+<file path=ppt/slides/slide10.xml><?xml version="1.0" encoding="utf-8"?>
+<p:sld xmlns:a="http://schemas.openxmlformats.org/drawingml/2006/main" xmlns:r="http://schemas.openxmlformats.org/officeDocument/2006/relationships" xmlns:p="http://schemas.openxmlformats.org/presentationml/2006/main">
+  <p:cSld>
+    <p:spTree>
+      <p:nvGrpSpPr>
+        <p:cNvPr id="1" name=""/>
+        <p:cNvGrpSpPr/>
+        <p:nvPr/>
+      </p:nvGrpSpPr>
+      <p:grpSpPr>
+        <a:xfrm>
+          <a:off x="0" y="0"/>
+          <a:ext cx="0" cy="0"/>
+          <a:chOff x="0" y="0"/>
+          <a:chExt cx="0" cy="0"/>
+        </a:xfrm>
+      </p:grpSpPr>
+      <p:sp>
+        <p:nvSpPr>
+          <p:cNvPr id="2" name="Title 1"/>
+          <p:cNvSpPr>
+            <a:spLocks noGrp="1"/>
+          </p:cNvSpPr>
+          <p:nvPr>
+            <p:ph type="title"/>
+          </p:nvPr>
+        </p:nvSpPr>
+        <p:spPr>
+          <a:xfrm>
+            <a:off x="457200" y="449932"/>
+            <a:ext cx="8286750" cy="1150353"/>
+          </a:xfrm>
+        </p:spPr>
+        <p:txBody>
+          <a:bodyPr/>
+          <a:lstStyle/>
+          <a:p>
+            <a:r>
+              <a:rPr lang="en-CA" dirty="0" smtClean="0">
+                <a:latin typeface="+mn-lt"/>
+              </a:rPr>
+              <a:t>Distribution of Sample Mean</a:t>
+            </a:r>
+            <a:endParaRPr lang="en-CA" dirty="0">
+              <a:latin typeface="+mn-lt"/>
+            </a:endParaRPr>
+          </a:p>
+        </p:txBody>
+      </p:sp>
+      <p:sp>
+        <p:nvSpPr>
+          <p:cNvPr id="3" name="Content Placeholder 2"/>
+          <p:cNvSpPr>
+            <a:spLocks noGrp="1"/>
+          </p:cNvSpPr>
+          <p:nvPr>
+            <p:ph idx="1"/>
+          </p:nvPr>
+        </p:nvSpPr>
+        <p:spPr>
+          <a:xfrm>
+            <a:off x="457200" y="1756947"/>
+            <a:ext cx="8286750" cy="3300828"/>
+          </a:xfrm>
+        </p:spPr>
+        <p:txBody>
+          <a:bodyPr>
+            <a:normAutofit/>
+          </a:bodyPr>
+          <a:lstStyle/>
+          <a:p>
+            <a:r>
+              <a:rPr lang="en-CA" dirty="0" smtClean="0">
+                <a:latin typeface="+mn-lt"/>
+              </a:rPr>
+              <a:t>As the sample size increases, the sample mean is more likely to be closer to the population mean</a:t>
+            </a:r>
+          </a:p>
+          <a:p>
+            <a:r>
+              <a:rPr lang="en-CA" dirty="0" smtClean="0">
+                <a:latin typeface="+mn-lt"/>
+              </a:rPr>
+              <a:t>Therefore: the distribution of sample means will have lower SD – a “narrower bell”</a:t>
+            </a:r>
+          </a:p>
+        </p:txBody>
+      </p:sp>
+      <p:pic>
+        <p:nvPicPr>
+          <p:cNvPr id="10242" name="Picture 2" descr="https://lh6.googleusercontent.com/KJRSPHc-gY2HN2dq8JC37QZrC7KgTtYK06QuzIuGfEeMmuHHDN8I1Czw3w6NW1kCJvCOk7yBywWhZz9uT7PSO4-oVLux10WEgJ7NZnrHSqa0D6JL5NKKKh_DibB_0bnPfVxA1rArEG8"/>
+          <p:cNvPicPr>
+            <a:picLocks noChangeAspect="1" noChangeArrowheads="1"/>
+          </p:cNvPicPr>
+          <p:nvPr/>
+        </p:nvPicPr>
+        <p:blipFill>
+          <a:blip r:embed="rId2">
+            <a:extLst>
+              <a:ext uri="{28A0092B-C50C-407E-A947-70E740481C1C}">
+                <a14:useLocalDpi xmlns:a14="http://schemas.microsoft.com/office/drawing/2010/main" val="0"/>
+              </a:ext>
+            </a:extLst>
+          </a:blip>
+          <a:srcRect/>
+          <a:stretch>
+            <a:fillRect/>
+          </a:stretch>
+        </p:blipFill>
+        <p:spPr bwMode="auto">
+          <a:xfrm>
+            <a:off x="2200128" y="3305175"/>
+            <a:ext cx="4743745" cy="2465388"/>
+          </a:xfrm>
+          <a:prstGeom prst="rect">
+            <a:avLst/>
+          </a:prstGeom>
+          <a:noFill/>
+          <a:extLst>
+            <a:ext uri="{909E8E84-426E-40DD-AFC4-6F175D3DCCD1}">
+              <a14:hiddenFill xmlns:a14="http://schemas.microsoft.com/office/drawing/2010/main">
+                <a:solidFill>
+                  <a:srgbClr val="FFFFFF"/>
+                </a:solidFill>
+              </a14:hiddenFill>
+            </a:ext>
+          </a:extLst>
+        </p:spPr>
+      </p:pic>
+    </p:spTree>
+    <p:extLst>
+      <p:ext uri="{BB962C8B-B14F-4D97-AF65-F5344CB8AC3E}">
+        <p14:creationId xmlns:p14="http://schemas.microsoft.com/office/powerpoint/2010/main" val="3333663121"/>
+      </p:ext>
+    </p:extLst>
+  </p:cSld>
+  <p:clrMapOvr>
+    <a:masterClrMapping/>
+  </p:clrMapOvr>
+  <p:timing>
+    <p:tnLst>
+      <p:par>
+        <p:cTn id="1" dur="indefinite" restart="never" nodeType="tmRoot"/>
+      </p:par>
+    </p:tnLst>
+  </p:timing>
+</p:sld>
+</file>
+
+<file path=ppt/slides/slide11.xml><?xml version="1.0" encoding="utf-8"?>
+<p:sld xmlns:a="http://schemas.openxmlformats.org/drawingml/2006/main" xmlns:r="http://schemas.openxmlformats.org/officeDocument/2006/relationships" xmlns:p="http://schemas.openxmlformats.org/presentationml/2006/main">
+  <p:cSld>
+    <p:spTree>
+      <p:nvGrpSpPr>
+        <p:cNvPr id="1" name=""/>
+        <p:cNvGrpSpPr/>
+        <p:nvPr/>
+      </p:nvGrpSpPr>
+      <p:grpSpPr>
+        <a:xfrm>
+          <a:off x="0" y="0"/>
+          <a:ext cx="0" cy="0"/>
+          <a:chOff x="0" y="0"/>
+          <a:chExt cx="0" cy="0"/>
+        </a:xfrm>
+      </p:grpSpPr>
+      <p:sp>
+        <p:nvSpPr>
+          <p:cNvPr id="2" name="Title 1"/>
+          <p:cNvSpPr>
+            <a:spLocks noGrp="1"/>
+          </p:cNvSpPr>
+          <p:nvPr>
+            <p:ph type="title"/>
+          </p:nvPr>
+        </p:nvSpPr>
+        <p:spPr>
+          <a:xfrm>
+            <a:off x="457200" y="449932"/>
+            <a:ext cx="8286750" cy="1150353"/>
+          </a:xfrm>
+        </p:spPr>
+        <p:txBody>
+          <a:bodyPr/>
+          <a:lstStyle/>
+          <a:p>
+            <a:r>
+              <a:rPr lang="en-CA" dirty="0" smtClean="0">
+                <a:latin typeface="+mn-lt"/>
+              </a:rPr>
+              <a:t>Announcements</a:t>
+            </a:r>
+            <a:endParaRPr lang="en-CA" dirty="0">
+              <a:latin typeface="+mn-lt"/>
+            </a:endParaRPr>
+          </a:p>
+        </p:txBody>
+      </p:sp>
+      <p:sp>
+        <p:nvSpPr>
+          <p:cNvPr id="3" name="Content Placeholder 2"/>
+          <p:cNvSpPr>
+            <a:spLocks noGrp="1"/>
+          </p:cNvSpPr>
+          <p:nvPr>
+            <p:ph idx="1"/>
+          </p:nvPr>
+        </p:nvSpPr>
+        <p:spPr>
+          <a:xfrm>
+            <a:off x="457200" y="1756947"/>
+            <a:ext cx="8286750" cy="3596103"/>
+          </a:xfrm>
+        </p:spPr>
+        <p:txBody>
+          <a:bodyPr/>
+          <a:lstStyle/>
+          <a:p>
+            <a:endParaRPr lang="en-CA" dirty="0">
+              <a:latin typeface="+mn-lt"/>
+            </a:endParaRPr>
+          </a:p>
+        </p:txBody>
+      </p:sp>
+    </p:spTree>
+    <p:extLst>
+      <p:ext uri="{BB962C8B-B14F-4D97-AF65-F5344CB8AC3E}">
+        <p14:creationId xmlns:p14="http://schemas.microsoft.com/office/powerpoint/2010/main" val="203414778"/>
+      </p:ext>
+    </p:extLst>
+  </p:cSld>
+  <p:clrMapOvr>
+    <a:masterClrMapping/>
+  </p:clrMapOvr>
+  <p:timing>
+    <p:tnLst>
+      <p:par>
+        <p:cTn id="1" dur="indefinite" restart="never" nodeType="tmRoot"/>
+      </p:par>
+    </p:tnLst>
+  </p:timing>
+</p:sld>
+</file>
+
+<file path=ppt/slides/slide12.xml><?xml version="1.0" encoding="utf-8"?>
+<p:sld xmlns:a="http://schemas.openxmlformats.org/drawingml/2006/main" xmlns:r="http://schemas.openxmlformats.org/officeDocument/2006/relationships" xmlns:p="http://schemas.openxmlformats.org/presentationml/2006/main">
+  <p:cSld>
+    <p:spTree>
+      <p:nvGrpSpPr>
+        <p:cNvPr id="1" name=""/>
+        <p:cNvGrpSpPr/>
+        <p:nvPr/>
+      </p:nvGrpSpPr>
+      <p:grpSpPr>
+        <a:xfrm>
+          <a:off x="0" y="0"/>
+          <a:ext cx="0" cy="0"/>
+          <a:chOff x="0" y="0"/>
+          <a:chExt cx="0" cy="0"/>
+        </a:xfrm>
+      </p:grpSpPr>
+      <p:sp>
+        <p:nvSpPr>
+          <p:cNvPr id="2" name="Title 1"/>
+          <p:cNvSpPr>
+            <a:spLocks noGrp="1"/>
+          </p:cNvSpPr>
+          <p:nvPr>
+            <p:ph type="title"/>
+          </p:nvPr>
+        </p:nvSpPr>
+        <p:spPr>
+          <a:xfrm>
+            <a:off x="457200" y="449932"/>
+            <a:ext cx="8286750" cy="1150353"/>
+          </a:xfrm>
+        </p:spPr>
+        <p:txBody>
+          <a:bodyPr/>
+          <a:lstStyle/>
+          <a:p>
+            <a:r>
+              <a:rPr lang="en-CA" dirty="0" smtClean="0">
+                <a:latin typeface="+mn-lt"/>
+              </a:rPr>
+              <a:t>Lab Notebook</a:t>
+            </a:r>
+            <a:endParaRPr lang="en-CA" dirty="0">
+              <a:latin typeface="+mn-lt"/>
+            </a:endParaRPr>
+          </a:p>
+        </p:txBody>
+      </p:sp>
+      <p:sp>
+        <p:nvSpPr>
+          <p:cNvPr id="3" name="Content Placeholder 2"/>
+          <p:cNvSpPr>
+            <a:spLocks noGrp="1"/>
+          </p:cNvSpPr>
+          <p:nvPr>
+            <p:ph idx="1"/>
+          </p:nvPr>
+        </p:nvSpPr>
+        <p:spPr>
+          <a:xfrm>
+            <a:off x="457200" y="1756947"/>
+            <a:ext cx="8286750" cy="3596103"/>
+          </a:xfrm>
+        </p:spPr>
+        <p:txBody>
+          <a:bodyPr/>
+          <a:lstStyle/>
+          <a:p>
+            <a:pPr marL="0" indent="0">
+              <a:buNone/>
+            </a:pPr>
+            <a:r>
+              <a:rPr lang="en-CA" smtClean="0">
+                <a:latin typeface="Avenir LT Std 45 Book" pitchFamily="34" charset="0"/>
+              </a:rPr>
+              <a:t>TBD</a:t>
+            </a:r>
+          </a:p>
+        </p:txBody>
+      </p:sp>
+    </p:spTree>
+    <p:extLst>
+      <p:ext uri="{BB962C8B-B14F-4D97-AF65-F5344CB8AC3E}">
+        <p14:creationId xmlns:p14="http://schemas.microsoft.com/office/powerpoint/2010/main" val="687167673"/>
       </p:ext>
     </p:extLst>
   </p:cSld>
@@ -7843,7 +8189,7 @@
               <a:rPr lang="en-CA" dirty="0" smtClean="0">
                 <a:latin typeface="+mn-lt"/>
               </a:rPr>
-              <a:t>Correlation</a:t>
+              <a:t>Skewness</a:t>
             </a:r>
           </a:p>
           <a:p>
@@ -7854,7 +8200,7 @@
               <a:rPr lang="en-CA" dirty="0" smtClean="0">
                 <a:latin typeface="+mn-lt"/>
               </a:rPr>
-              <a:t>Linear Regression</a:t>
+              <a:t>Variability</a:t>
             </a:r>
           </a:p>
           <a:p>
@@ -7865,11 +8211,52 @@
               <a:rPr lang="en-CA" dirty="0" smtClean="0">
                 <a:latin typeface="+mn-lt"/>
               </a:rPr>
-              <a:t>Residuals</a:t>
-            </a:r>
-            <a:endParaRPr lang="en-CA" dirty="0" smtClean="0">
-              <a:latin typeface="+mn-lt"/>
-            </a:endParaRPr>
+              <a:t>Chebyshev’s Bounds</a:t>
+            </a:r>
+          </a:p>
+          <a:p>
+            <a:pPr marL="457200" indent="-457200">
+              <a:buAutoNum type="arabicPeriod"/>
+            </a:pPr>
+            <a:r>
+              <a:rPr lang="en-CA" dirty="0" smtClean="0">
+                <a:latin typeface="+mn-lt"/>
+              </a:rPr>
+              <a:t>Standard Units</a:t>
+            </a:r>
+          </a:p>
+          <a:p>
+            <a:pPr marL="457200" indent="-457200">
+              <a:buAutoNum type="arabicPeriod"/>
+            </a:pPr>
+            <a:r>
+              <a:rPr lang="en-CA" dirty="0" smtClean="0">
+                <a:latin typeface="+mn-lt"/>
+              </a:rPr>
+              <a:t>Normal Distribution</a:t>
+            </a:r>
+          </a:p>
+          <a:p>
+            <a:pPr marL="457200" indent="-457200">
+              <a:buAutoNum type="arabicPeriod"/>
+            </a:pPr>
+            <a:r>
+              <a:rPr lang="en-CA" dirty="0" smtClean="0">
+                <a:latin typeface="+mn-lt"/>
+              </a:rPr>
+              <a:t>Central Limit Theorem</a:t>
+            </a:r>
+          </a:p>
+          <a:p>
+            <a:pPr marL="457200" indent="-457200">
+              <a:buAutoNum type="arabicPeriod"/>
+            </a:pPr>
+            <a:r>
+              <a:rPr lang="en-CA" dirty="0" smtClean="0">
+                <a:latin typeface="+mn-lt"/>
+              </a:rPr>
+              <a:t>Distribution of Sample Means</a:t>
+            </a:r>
           </a:p>
         </p:txBody>
       </p:sp>
@@ -7934,7 +8321,7 @@
               <a:rPr lang="en-CA" dirty="0" smtClean="0">
                 <a:latin typeface="+mn-lt"/>
               </a:rPr>
-              <a:t>Correlation</a:t>
+              <a:t>Skewness</a:t>
             </a:r>
             <a:endParaRPr lang="en-CA" dirty="0">
               <a:latin typeface="+mn-lt"/>
@@ -7955,27 +8342,65 @@
         <p:spPr>
           <a:xfrm>
             <a:off x="457200" y="1756947"/>
-            <a:ext cx="8286750" cy="3300828"/>
+            <a:ext cx="8286750" cy="3596103"/>
           </a:xfrm>
         </p:spPr>
         <p:txBody>
-          <a:bodyPr>
-            <a:normAutofit/>
-          </a:bodyPr>
+          <a:bodyPr/>
           <a:lstStyle/>
           <a:p>
             <a:r>
               <a:rPr lang="en-CA" dirty="0" smtClean="0">
                 <a:latin typeface="+mn-lt"/>
               </a:rPr>
-              <a:t>Correlation is a </a:t>
-            </a:r>
-            <a:r>
-              <a:rPr lang="en-CA" smtClean="0">
+              <a:t>Left skew</a:t>
+            </a:r>
+          </a:p>
+          <a:p>
+            <a:pPr lvl="1"/>
+            <a:r>
+              <a:rPr lang="en-CA" dirty="0" smtClean="0">
                 <a:latin typeface="+mn-lt"/>
               </a:rPr>
-              <a:t>number between -1 and +1</a:t>
-            </a:r>
+              <a:t>Long left tail</a:t>
+            </a:r>
+          </a:p>
+          <a:p>
+            <a:pPr lvl="1"/>
+            <a:r>
+              <a:rPr lang="en-CA" dirty="0" smtClean="0">
+                <a:latin typeface="+mn-lt"/>
+              </a:rPr>
+              <a:t>Mean &lt; Median</a:t>
+            </a:r>
+          </a:p>
+          <a:p>
+            <a:r>
+              <a:rPr lang="en-CA" dirty="0" smtClean="0">
+                <a:latin typeface="+mn-lt"/>
+              </a:rPr>
+              <a:t>Right skew</a:t>
+            </a:r>
+          </a:p>
+          <a:p>
+            <a:pPr lvl="1"/>
+            <a:r>
+              <a:rPr lang="en-CA" dirty="0" smtClean="0">
+                <a:latin typeface="+mn-lt"/>
+              </a:rPr>
+              <a:t>Long right tail</a:t>
+            </a:r>
+          </a:p>
+          <a:p>
+            <a:pPr lvl="1"/>
+            <a:r>
+              <a:rPr lang="en-CA" dirty="0" smtClean="0">
+                <a:latin typeface="+mn-lt"/>
+              </a:rPr>
+              <a:t>Mean &gt; Median</a:t>
+            </a:r>
+          </a:p>
+          <a:p>
             <a:endParaRPr lang="en-CA" dirty="0" smtClean="0">
               <a:latin typeface="+mn-lt"/>
             </a:endParaRPr>
@@ -7985,7 +8410,7 @@
     </p:spTree>
     <p:extLst>
       <p:ext uri="{BB962C8B-B14F-4D97-AF65-F5344CB8AC3E}">
-        <p14:creationId xmlns:p14="http://schemas.microsoft.com/office/powerpoint/2010/main" val="3333663121"/>
+        <p14:creationId xmlns:p14="http://schemas.microsoft.com/office/powerpoint/2010/main" val="3385360168"/>
       </p:ext>
     </p:extLst>
   </p:cSld>
@@ -8043,7 +8468,7 @@
               <a:rPr lang="en-CA" dirty="0" smtClean="0">
                 <a:latin typeface="+mn-lt"/>
               </a:rPr>
-              <a:t>Announcements</a:t>
+              <a:t>Variability</a:t>
             </a:r>
             <a:endParaRPr lang="en-CA" dirty="0">
               <a:latin typeface="+mn-lt"/>
@@ -8064,23 +8489,54 @@
         <p:spPr>
           <a:xfrm>
             <a:off x="457200" y="1756947"/>
-            <a:ext cx="8286750" cy="3596103"/>
+            <a:ext cx="8286750" cy="3300828"/>
           </a:xfrm>
         </p:spPr>
         <p:txBody>
-          <a:bodyPr/>
+          <a:bodyPr>
+            <a:normAutofit/>
+          </a:bodyPr>
           <a:lstStyle/>
           <a:p>
-            <a:endParaRPr lang="en-CA" dirty="0">
-              <a:latin typeface="+mn-lt"/>
-            </a:endParaRPr>
+            <a:r>
+              <a:rPr lang="en-CA" dirty="0" smtClean="0">
+                <a:latin typeface="+mn-lt"/>
+              </a:rPr>
+              <a:t>Variance: How spread out is the data?</a:t>
+            </a:r>
+          </a:p>
+          <a:p>
+            <a:r>
+              <a:rPr lang="en-CA" dirty="0" smtClean="0">
+                <a:latin typeface="+mn-lt"/>
+              </a:rPr>
+              <a:t>Standard Deviation: Square root of the variance</a:t>
+            </a:r>
+          </a:p>
+          <a:p>
+            <a:pPr lvl="1"/>
+            <a:r>
+              <a:rPr lang="en-CA" dirty="0" smtClean="0">
+                <a:latin typeface="+mn-lt"/>
+              </a:rPr>
+              <a:t>Same unit as the data</a:t>
+            </a:r>
+          </a:p>
+          <a:p>
+            <a:pPr lvl="1"/>
+            <a:r>
+              <a:rPr lang="en-CA" dirty="0" smtClean="0">
+                <a:latin typeface="+mn-lt"/>
+              </a:rPr>
+              <a:t>The larger the SD, the more spread out the data is</a:t>
+            </a:r>
           </a:p>
         </p:txBody>
       </p:sp>
     </p:spTree>
     <p:extLst>
       <p:ext uri="{BB962C8B-B14F-4D97-AF65-F5344CB8AC3E}">
-        <p14:creationId xmlns:p14="http://schemas.microsoft.com/office/powerpoint/2010/main" val="203414778"/>
+        <p14:creationId xmlns:p14="http://schemas.microsoft.com/office/powerpoint/2010/main" val="2381211813"/>
       </p:ext>
     </p:extLst>
   </p:cSld>
@@ -8138,7 +8594,7 @@
               <a:rPr lang="en-CA" dirty="0" smtClean="0">
                 <a:latin typeface="+mn-lt"/>
               </a:rPr>
-              <a:t>Lab Notebook</a:t>
+              <a:t>Chebyshev’s Bounds</a:t>
             </a:r>
             <a:endParaRPr lang="en-CA" dirty="0">
               <a:latin typeface="+mn-lt"/>
@@ -8159,21 +8615,560 @@
         <p:spPr>
           <a:xfrm>
             <a:off x="457200" y="1756947"/>
-            <a:ext cx="8286750" cy="3596103"/>
+            <a:ext cx="8286750" cy="3300828"/>
+          </a:xfrm>
+        </p:spPr>
+        <p:txBody>
+          <a:bodyPr>
+            <a:normAutofit/>
+          </a:bodyPr>
+          <a:lstStyle/>
+          <a:p>
+            <a:r>
+              <a:rPr lang="en-CA" dirty="0" smtClean="0">
+                <a:latin typeface="+mn-lt"/>
+              </a:rPr>
+              <a:t>Regardless of the distribution, the </a:t>
+            </a:r>
+            <a:r>
+              <a:rPr lang="en-CA" dirty="0">
+                <a:latin typeface="+mn-lt"/>
+              </a:rPr>
+              <a:t>proportion of values in the range “average ± </a:t>
+            </a:r>
+            <a:r>
+              <a:rPr lang="en-CA" i="1" dirty="0">
+                <a:latin typeface="+mn-lt"/>
+              </a:rPr>
+              <a:t>z</a:t>
+            </a:r>
+            <a:r>
+              <a:rPr lang="en-CA" dirty="0">
+                <a:latin typeface="+mn-lt"/>
+              </a:rPr>
+              <a:t> SDs” </a:t>
+            </a:r>
+            <a:r>
+              <a:rPr lang="en-CA" dirty="0" smtClean="0">
+                <a:latin typeface="+mn-lt"/>
+              </a:rPr>
+              <a:t>is at </a:t>
+            </a:r>
+            <a:r>
+              <a:rPr lang="en-CA" dirty="0">
+                <a:latin typeface="+mn-lt"/>
+              </a:rPr>
+              <a:t>least 1 - </a:t>
+            </a:r>
+            <a:r>
+              <a:rPr lang="en-CA" dirty="0" smtClean="0">
+                <a:latin typeface="+mn-lt"/>
+              </a:rPr>
+              <a:t>1/</a:t>
+            </a:r>
+            <a:r>
+              <a:rPr lang="en-CA" i="1" dirty="0" smtClean="0">
+                <a:latin typeface="+mn-lt"/>
+              </a:rPr>
+              <a:t>z</a:t>
+            </a:r>
+            <a:r>
+              <a:rPr lang="en-CA" dirty="0" smtClean="0">
+                <a:latin typeface="+mn-lt"/>
+              </a:rPr>
+              <a:t>²</a:t>
+            </a:r>
+            <a:endParaRPr lang="en-CA" dirty="0">
+              <a:latin typeface="+mn-lt"/>
+            </a:endParaRPr>
+          </a:p>
+          <a:p>
+            <a:endParaRPr lang="en-CA" dirty="0">
+              <a:latin typeface="+mn-lt"/>
+            </a:endParaRPr>
+          </a:p>
+        </p:txBody>
+      </p:sp>
+      <p:graphicFrame>
+        <p:nvGraphicFramePr>
+          <p:cNvPr id="5" name="Table 4"/>
+          <p:cNvGraphicFramePr>
+            <a:graphicFrameLocks noGrp="1"/>
+          </p:cNvGraphicFramePr>
+          <p:nvPr>
+            <p:extLst>
+              <p:ext uri="{D42A27DB-BD31-4B8C-83A1-F6EECF244321}">
+                <p14:modId xmlns:p14="http://schemas.microsoft.com/office/powerpoint/2010/main" val="293445711"/>
+              </p:ext>
+            </p:extLst>
+          </p:nvPr>
+        </p:nvGraphicFramePr>
+        <p:xfrm>
+          <a:off x="581024" y="2682875"/>
+          <a:ext cx="8124826" cy="2590800"/>
+        </p:xfrm>
+        <a:graphic>
+          <a:graphicData uri="http://schemas.openxmlformats.org/drawingml/2006/table">
+            <a:tbl>
+              <a:tblPr firstRow="1" bandRow="1">
+                <a:tableStyleId>{5C22544A-7EE6-4342-B048-85BDC9FD1C3A}</a:tableStyleId>
+              </a:tblPr>
+              <a:tblGrid>
+                <a:gridCol w="4062413"/>
+                <a:gridCol w="4062413"/>
+              </a:tblGrid>
+              <a:tr h="370840">
+                <a:tc>
+                  <a:txBody>
+                    <a:bodyPr/>
+                    <a:lstStyle/>
+                    <a:p>
+                      <a:pPr algn="ctr" rtl="0" fontAlgn="t">
+                        <a:spcBef>
+                          <a:spcPts val="0"/>
+                        </a:spcBef>
+                        <a:spcAft>
+                          <a:spcPts val="0"/>
+                        </a:spcAft>
+                      </a:pPr>
+                      <a:r>
+                        <a:rPr lang="en-CA" sz="2400" b="1" i="0" u="none" strike="noStrike" dirty="0">
+                          <a:solidFill>
+                            <a:srgbClr val="000000"/>
+                          </a:solidFill>
+                          <a:effectLst/>
+                          <a:latin typeface="+mn-lt"/>
+                        </a:rPr>
+                        <a:t>Range</a:t>
+                      </a:r>
+                      <a:endParaRPr lang="en-CA" dirty="0">
+                        <a:effectLst/>
+                        <a:latin typeface="+mn-lt"/>
+                      </a:endParaRPr>
+                    </a:p>
+                  </a:txBody>
+                  <a:tcPr marL="76200" marR="76200" marT="76200" marB="76200"/>
+                </a:tc>
+                <a:tc>
+                  <a:txBody>
+                    <a:bodyPr/>
+                    <a:lstStyle/>
+                    <a:p>
+                      <a:pPr algn="ctr" rtl="0" fontAlgn="t">
+                        <a:spcBef>
+                          <a:spcPts val="0"/>
+                        </a:spcBef>
+                        <a:spcAft>
+                          <a:spcPts val="0"/>
+                        </a:spcAft>
+                      </a:pPr>
+                      <a:r>
+                        <a:rPr lang="en-CA" sz="2400" b="1" i="0" u="none" strike="noStrike">
+                          <a:solidFill>
+                            <a:srgbClr val="000000"/>
+                          </a:solidFill>
+                          <a:effectLst/>
+                          <a:latin typeface="+mn-lt"/>
+                        </a:rPr>
+                        <a:t>Proportion</a:t>
+                      </a:r>
+                      <a:endParaRPr lang="en-CA">
+                        <a:effectLst/>
+                        <a:latin typeface="+mn-lt"/>
+                      </a:endParaRPr>
+                    </a:p>
+                  </a:txBody>
+                  <a:tcPr marL="76200" marR="76200" marT="76200" marB="76200"/>
+                </a:tc>
+              </a:tr>
+              <a:tr h="370840">
+                <a:tc>
+                  <a:txBody>
+                    <a:bodyPr/>
+                    <a:lstStyle/>
+                    <a:p>
+                      <a:pPr algn="ctr" rtl="0" fontAlgn="t">
+                        <a:spcBef>
+                          <a:spcPts val="0"/>
+                        </a:spcBef>
+                        <a:spcAft>
+                          <a:spcPts val="0"/>
+                        </a:spcAft>
+                      </a:pPr>
+                      <a:r>
+                        <a:rPr lang="en-CA" sz="2400" b="0" i="0" u="none" strike="noStrike">
+                          <a:solidFill>
+                            <a:srgbClr val="000000"/>
+                          </a:solidFill>
+                          <a:effectLst/>
+                          <a:latin typeface="+mn-lt"/>
+                        </a:rPr>
+                        <a:t>average ± 2 SDs</a:t>
+                      </a:r>
+                      <a:endParaRPr lang="en-CA">
+                        <a:effectLst/>
+                        <a:latin typeface="+mn-lt"/>
+                      </a:endParaRPr>
+                    </a:p>
+                  </a:txBody>
+                  <a:tcPr marL="76200" marR="76200" marT="76200" marB="76200"/>
+                </a:tc>
+                <a:tc>
+                  <a:txBody>
+                    <a:bodyPr/>
+                    <a:lstStyle/>
+                    <a:p>
+                      <a:pPr algn="ctr" rtl="0" fontAlgn="t">
+                        <a:spcBef>
+                          <a:spcPts val="0"/>
+                        </a:spcBef>
+                        <a:spcAft>
+                          <a:spcPts val="0"/>
+                        </a:spcAft>
+                      </a:pPr>
+                      <a:r>
+                        <a:rPr lang="en-CA" sz="2400" b="0" i="0" u="none" strike="noStrike">
+                          <a:solidFill>
+                            <a:srgbClr val="000000"/>
+                          </a:solidFill>
+                          <a:effectLst/>
+                          <a:latin typeface="+mn-lt"/>
+                        </a:rPr>
+                        <a:t>at least 1 - 1/4   (75%)</a:t>
+                      </a:r>
+                      <a:endParaRPr lang="en-CA">
+                        <a:effectLst/>
+                        <a:latin typeface="+mn-lt"/>
+                      </a:endParaRPr>
+                    </a:p>
+                  </a:txBody>
+                  <a:tcPr marL="76200" marR="76200" marT="76200" marB="76200"/>
+                </a:tc>
+              </a:tr>
+              <a:tr h="370840">
+                <a:tc>
+                  <a:txBody>
+                    <a:bodyPr/>
+                    <a:lstStyle/>
+                    <a:p>
+                      <a:pPr algn="ctr" rtl="0" fontAlgn="t">
+                        <a:spcBef>
+                          <a:spcPts val="0"/>
+                        </a:spcBef>
+                        <a:spcAft>
+                          <a:spcPts val="0"/>
+                        </a:spcAft>
+                      </a:pPr>
+                      <a:r>
+                        <a:rPr lang="en-CA" sz="2400" b="0" i="0" u="none" strike="noStrike">
+                          <a:solidFill>
+                            <a:srgbClr val="000000"/>
+                          </a:solidFill>
+                          <a:effectLst/>
+                          <a:latin typeface="+mn-lt"/>
+                        </a:rPr>
+                        <a:t>average ± 3 SDs</a:t>
+                      </a:r>
+                      <a:endParaRPr lang="en-CA">
+                        <a:effectLst/>
+                        <a:latin typeface="+mn-lt"/>
+                      </a:endParaRPr>
+                    </a:p>
+                  </a:txBody>
+                  <a:tcPr marL="76200" marR="76200" marT="76200" marB="76200"/>
+                </a:tc>
+                <a:tc>
+                  <a:txBody>
+                    <a:bodyPr/>
+                    <a:lstStyle/>
+                    <a:p>
+                      <a:pPr algn="ctr" rtl="0" fontAlgn="t">
+                        <a:spcBef>
+                          <a:spcPts val="0"/>
+                        </a:spcBef>
+                        <a:spcAft>
+                          <a:spcPts val="0"/>
+                        </a:spcAft>
+                      </a:pPr>
+                      <a:r>
+                        <a:rPr lang="en-CA" sz="2400" b="0" i="0" u="none" strike="noStrike" dirty="0">
+                          <a:solidFill>
+                            <a:srgbClr val="000000"/>
+                          </a:solidFill>
+                          <a:effectLst/>
+                          <a:latin typeface="+mn-lt"/>
+                        </a:rPr>
+                        <a:t>at least 1 - 1/9   (88.888…%)</a:t>
+                      </a:r>
+                      <a:endParaRPr lang="en-CA" dirty="0">
+                        <a:effectLst/>
+                        <a:latin typeface="+mn-lt"/>
+                      </a:endParaRPr>
+                    </a:p>
+                  </a:txBody>
+                  <a:tcPr marL="76200" marR="76200" marT="76200" marB="76200"/>
+                </a:tc>
+              </a:tr>
+              <a:tr h="370840">
+                <a:tc>
+                  <a:txBody>
+                    <a:bodyPr/>
+                    <a:lstStyle/>
+                    <a:p>
+                      <a:pPr algn="ctr" rtl="0" fontAlgn="t">
+                        <a:spcBef>
+                          <a:spcPts val="0"/>
+                        </a:spcBef>
+                        <a:spcAft>
+                          <a:spcPts val="0"/>
+                        </a:spcAft>
+                      </a:pPr>
+                      <a:r>
+                        <a:rPr lang="en-CA" sz="2400" b="0" i="0" u="none" strike="noStrike" dirty="0">
+                          <a:solidFill>
+                            <a:srgbClr val="000000"/>
+                          </a:solidFill>
+                          <a:effectLst/>
+                          <a:latin typeface="+mn-lt"/>
+                        </a:rPr>
+                        <a:t>average ± 4 SDs</a:t>
+                      </a:r>
+                      <a:endParaRPr lang="en-CA" dirty="0">
+                        <a:effectLst/>
+                        <a:latin typeface="+mn-lt"/>
+                      </a:endParaRPr>
+                    </a:p>
+                  </a:txBody>
+                  <a:tcPr marL="76200" marR="76200" marT="76200" marB="76200"/>
+                </a:tc>
+                <a:tc>
+                  <a:txBody>
+                    <a:bodyPr/>
+                    <a:lstStyle/>
+                    <a:p>
+                      <a:pPr algn="ctr" rtl="0" fontAlgn="t">
+                        <a:spcBef>
+                          <a:spcPts val="0"/>
+                        </a:spcBef>
+                        <a:spcAft>
+                          <a:spcPts val="0"/>
+                        </a:spcAft>
+                      </a:pPr>
+                      <a:r>
+                        <a:rPr lang="en-CA" sz="2400" b="0" i="0" u="none" strike="noStrike">
+                          <a:solidFill>
+                            <a:srgbClr val="000000"/>
+                          </a:solidFill>
+                          <a:effectLst/>
+                          <a:latin typeface="+mn-lt"/>
+                        </a:rPr>
+                        <a:t>at least 1 - 1/16 (93.75%)</a:t>
+                      </a:r>
+                      <a:endParaRPr lang="en-CA">
+                        <a:effectLst/>
+                        <a:latin typeface="+mn-lt"/>
+                      </a:endParaRPr>
+                    </a:p>
+                  </a:txBody>
+                  <a:tcPr marL="76200" marR="76200" marT="76200" marB="76200"/>
+                </a:tc>
+              </a:tr>
+              <a:tr h="370840">
+                <a:tc>
+                  <a:txBody>
+                    <a:bodyPr/>
+                    <a:lstStyle/>
+                    <a:p>
+                      <a:pPr algn="ctr" rtl="0" fontAlgn="t">
+                        <a:spcBef>
+                          <a:spcPts val="0"/>
+                        </a:spcBef>
+                        <a:spcAft>
+                          <a:spcPts val="0"/>
+                        </a:spcAft>
+                      </a:pPr>
+                      <a:r>
+                        <a:rPr lang="en-CA" sz="2400" b="0" i="0" u="none" strike="noStrike">
+                          <a:solidFill>
+                            <a:srgbClr val="000000"/>
+                          </a:solidFill>
+                          <a:effectLst/>
+                          <a:latin typeface="+mn-lt"/>
+                        </a:rPr>
+                        <a:t>average ± 5 SDs</a:t>
+                      </a:r>
+                      <a:endParaRPr lang="en-CA">
+                        <a:effectLst/>
+                        <a:latin typeface="+mn-lt"/>
+                      </a:endParaRPr>
+                    </a:p>
+                  </a:txBody>
+                  <a:tcPr marL="76200" marR="76200" marT="76200" marB="76200"/>
+                </a:tc>
+                <a:tc>
+                  <a:txBody>
+                    <a:bodyPr/>
+                    <a:lstStyle/>
+                    <a:p>
+                      <a:pPr algn="ctr" rtl="0" fontAlgn="t">
+                        <a:spcBef>
+                          <a:spcPts val="0"/>
+                        </a:spcBef>
+                        <a:spcAft>
+                          <a:spcPts val="0"/>
+                        </a:spcAft>
+                      </a:pPr>
+                      <a:r>
+                        <a:rPr lang="en-CA" sz="2400" b="0" i="0" u="none" strike="noStrike" dirty="0">
+                          <a:solidFill>
+                            <a:srgbClr val="000000"/>
+                          </a:solidFill>
+                          <a:effectLst/>
+                          <a:latin typeface="+mn-lt"/>
+                        </a:rPr>
+                        <a:t>at least 1 - 1/25  (96%)</a:t>
+                      </a:r>
+                      <a:endParaRPr lang="en-CA" dirty="0">
+                        <a:effectLst/>
+                        <a:latin typeface="+mn-lt"/>
+                      </a:endParaRPr>
+                    </a:p>
+                  </a:txBody>
+                  <a:tcPr marL="76200" marR="76200" marT="76200" marB="76200"/>
+                </a:tc>
+              </a:tr>
+            </a:tbl>
+          </a:graphicData>
+        </a:graphic>
+      </p:graphicFrame>
+    </p:spTree>
+    <p:extLst>
+      <p:ext uri="{BB962C8B-B14F-4D97-AF65-F5344CB8AC3E}">
+        <p14:creationId xmlns:p14="http://schemas.microsoft.com/office/powerpoint/2010/main" val="1680834413"/>
+      </p:ext>
+    </p:extLst>
+  </p:cSld>
+  <p:clrMapOvr>
+    <a:masterClrMapping/>
+  </p:clrMapOvr>
+  <p:timing>
+    <p:tnLst>
+      <p:par>
+        <p:cTn id="1" dur="indefinite" restart="never" nodeType="tmRoot"/>
+      </p:par>
+    </p:tnLst>
+  </p:timing>
+</p:sld>
+</file>
+
+<file path=ppt/slides/slide6.xml><?xml version="1.0" encoding="utf-8"?>
+<p:sld xmlns:a="http://schemas.openxmlformats.org/drawingml/2006/main" xmlns:r="http://schemas.openxmlformats.org/officeDocument/2006/relationships" xmlns:p="http://schemas.openxmlformats.org/presentationml/2006/main">
+  <p:cSld>
+    <p:spTree>
+      <p:nvGrpSpPr>
+        <p:cNvPr id="1" name=""/>
+        <p:cNvGrpSpPr/>
+        <p:nvPr/>
+      </p:nvGrpSpPr>
+      <p:grpSpPr>
+        <a:xfrm>
+          <a:off x="0" y="0"/>
+          <a:ext cx="0" cy="0"/>
+          <a:chOff x="0" y="0"/>
+          <a:chExt cx="0" cy="0"/>
+        </a:xfrm>
+      </p:grpSpPr>
+      <p:sp>
+        <p:nvSpPr>
+          <p:cNvPr id="2" name="Title 1"/>
+          <p:cNvSpPr>
+            <a:spLocks noGrp="1"/>
+          </p:cNvSpPr>
+          <p:nvPr>
+            <p:ph type="title"/>
+          </p:nvPr>
+        </p:nvSpPr>
+        <p:spPr>
+          <a:xfrm>
+            <a:off x="457200" y="449932"/>
+            <a:ext cx="8286750" cy="1150353"/>
           </a:xfrm>
         </p:spPr>
         <p:txBody>
           <a:bodyPr/>
           <a:lstStyle/>
           <a:p>
-            <a:pPr marL="0" indent="0">
-              <a:buNone/>
-            </a:pPr>
-            <a:r>
-              <a:rPr lang="en-CA" smtClean="0">
-                <a:latin typeface="Avenir LT Std 45 Book" pitchFamily="34" charset="0"/>
+            <a:r>
+              <a:rPr lang="en-CA" dirty="0" smtClean="0">
+                <a:latin typeface="+mn-lt"/>
               </a:rPr>
-              <a:t>TBD</a:t>
+              <a:t>Standard Units</a:t>
+            </a:r>
+            <a:endParaRPr lang="en-CA" dirty="0">
+              <a:latin typeface="+mn-lt"/>
+            </a:endParaRPr>
+          </a:p>
+        </p:txBody>
+      </p:sp>
+      <p:sp>
+        <p:nvSpPr>
+          <p:cNvPr id="3" name="Content Placeholder 2"/>
+          <p:cNvSpPr>
+            <a:spLocks noGrp="1"/>
+          </p:cNvSpPr>
+          <p:nvPr>
+            <p:ph idx="1"/>
+          </p:nvPr>
+        </p:nvSpPr>
+        <p:spPr>
+          <a:xfrm>
+            <a:off x="457200" y="1756947"/>
+            <a:ext cx="8286750" cy="3300828"/>
+          </a:xfrm>
+        </p:spPr>
+        <p:txBody>
+          <a:bodyPr>
+            <a:normAutofit/>
+          </a:bodyPr>
+          <a:lstStyle/>
+          <a:p>
+            <a:r>
+              <a:rPr lang="en-CA" dirty="0" smtClean="0">
+                <a:latin typeface="+mn-lt"/>
+              </a:rPr>
+              <a:t>Standard Unit: Number of SD’s above or below average</a:t>
+            </a:r>
+          </a:p>
+          <a:p>
+            <a:r>
+              <a:rPr lang="en-CA" dirty="0" smtClean="0">
+                <a:latin typeface="+mn-lt"/>
+              </a:rPr>
+              <a:t>Allows us to easily compare different distributions and units</a:t>
+            </a:r>
+          </a:p>
+          <a:p>
+            <a:r>
+              <a:rPr lang="en-CA" dirty="0" smtClean="0">
+                <a:latin typeface="+mn-lt"/>
+              </a:rPr>
+              <a:t>Z = (value-average)/SD</a:t>
+            </a:r>
+          </a:p>
+          <a:p>
+            <a:r>
+              <a:rPr lang="en-CA" dirty="0" smtClean="0">
+                <a:latin typeface="+mn-lt"/>
+              </a:rPr>
+              <a:t>Average of standard units is always 0</a:t>
+            </a:r>
+          </a:p>
+          <a:p>
+            <a:r>
+              <a:rPr lang="en-CA" dirty="0" smtClean="0">
+                <a:latin typeface="+mn-lt"/>
+              </a:rPr>
+              <a:t>SD of standard units is always 1</a:t>
             </a:r>
           </a:p>
         </p:txBody>
@@ -8181,7 +9176,890 @@
     </p:spTree>
     <p:extLst>
       <p:ext uri="{BB962C8B-B14F-4D97-AF65-F5344CB8AC3E}">
-        <p14:creationId xmlns:p14="http://schemas.microsoft.com/office/powerpoint/2010/main" val="687167673"/>
+        <p14:creationId xmlns:p14="http://schemas.microsoft.com/office/powerpoint/2010/main" val="3906708603"/>
+      </p:ext>
+    </p:extLst>
+  </p:cSld>
+  <p:clrMapOvr>
+    <a:masterClrMapping/>
+  </p:clrMapOvr>
+  <p:timing>
+    <p:tnLst>
+      <p:par>
+        <p:cTn id="1" dur="indefinite" restart="never" nodeType="tmRoot"/>
+      </p:par>
+    </p:tnLst>
+  </p:timing>
+</p:sld>
+</file>
+
+<file path=ppt/slides/slide7.xml><?xml version="1.0" encoding="utf-8"?>
+<p:sld xmlns:a="http://schemas.openxmlformats.org/drawingml/2006/main" xmlns:r="http://schemas.openxmlformats.org/officeDocument/2006/relationships" xmlns:p="http://schemas.openxmlformats.org/presentationml/2006/main">
+  <p:cSld>
+    <p:spTree>
+      <p:nvGrpSpPr>
+        <p:cNvPr id="1" name=""/>
+        <p:cNvGrpSpPr/>
+        <p:nvPr/>
+      </p:nvGrpSpPr>
+      <p:grpSpPr>
+        <a:xfrm>
+          <a:off x="0" y="0"/>
+          <a:ext cx="0" cy="0"/>
+          <a:chOff x="0" y="0"/>
+          <a:chExt cx="0" cy="0"/>
+        </a:xfrm>
+      </p:grpSpPr>
+      <p:sp>
+        <p:nvSpPr>
+          <p:cNvPr id="2" name="Title 1"/>
+          <p:cNvSpPr>
+            <a:spLocks noGrp="1"/>
+          </p:cNvSpPr>
+          <p:nvPr>
+            <p:ph type="title"/>
+          </p:nvPr>
+        </p:nvSpPr>
+        <p:spPr>
+          <a:xfrm>
+            <a:off x="457200" y="449932"/>
+            <a:ext cx="8286750" cy="1150353"/>
+          </a:xfrm>
+        </p:spPr>
+        <p:txBody>
+          <a:bodyPr/>
+          <a:lstStyle/>
+          <a:p>
+            <a:r>
+              <a:rPr lang="en-CA" dirty="0" smtClean="0">
+                <a:latin typeface="+mn-lt"/>
+              </a:rPr>
+              <a:t>Normal Distribution</a:t>
+            </a:r>
+            <a:endParaRPr lang="en-CA" dirty="0">
+              <a:latin typeface="+mn-lt"/>
+            </a:endParaRPr>
+          </a:p>
+        </p:txBody>
+      </p:sp>
+      <p:sp>
+        <p:nvSpPr>
+          <p:cNvPr id="3" name="Content Placeholder 2"/>
+          <p:cNvSpPr>
+            <a:spLocks noGrp="1"/>
+          </p:cNvSpPr>
+          <p:nvPr>
+            <p:ph idx="1"/>
+          </p:nvPr>
+        </p:nvSpPr>
+        <p:spPr>
+          <a:xfrm>
+            <a:off x="457200" y="1756947"/>
+            <a:ext cx="8286750" cy="3300828"/>
+          </a:xfrm>
+        </p:spPr>
+        <p:txBody>
+          <a:bodyPr>
+            <a:normAutofit/>
+          </a:bodyPr>
+          <a:lstStyle/>
+          <a:p>
+            <a:r>
+              <a:rPr lang="en-CA" dirty="0" smtClean="0">
+                <a:latin typeface="+mn-lt"/>
+              </a:rPr>
+              <a:t>An extremely common distribution in statistics, shaped like a bell curve</a:t>
+            </a:r>
+          </a:p>
+          <a:p>
+            <a:r>
+              <a:rPr lang="en-CA" dirty="0" smtClean="0">
+                <a:latin typeface="+mn-lt"/>
+              </a:rPr>
+              <a:t>Most of the data is within a few SD’s of the mean</a:t>
+            </a:r>
+          </a:p>
+          <a:p>
+            <a:endParaRPr lang="en-CA" dirty="0" smtClean="0">
+              <a:latin typeface="+mn-lt"/>
+            </a:endParaRPr>
+          </a:p>
+        </p:txBody>
+      </p:sp>
+      <p:pic>
+        <p:nvPicPr>
+          <p:cNvPr id="8194" name="Picture 2" descr="https://lh6.googleusercontent.com/0biU_gJtBBd5-Xp0vUSiJJP7xz3e1edxeKloUPxKwtdtGZnI7bz4xwNAkFNS59vdsRrsqfeXP9hfflatsjzVuJTCFm2YGM3C2yw56-lWVMWbS4yRorqdopHi3SrAjD8DGFJDGW2Sh2I"/>
+          <p:cNvPicPr>
+            <a:picLocks noChangeAspect="1" noChangeArrowheads="1"/>
+          </p:cNvPicPr>
+          <p:nvPr/>
+        </p:nvPicPr>
+        <p:blipFill>
+          <a:blip r:embed="rId2">
+            <a:extLst>
+              <a:ext uri="{28A0092B-C50C-407E-A947-70E740481C1C}">
+                <a14:useLocalDpi xmlns:a14="http://schemas.microsoft.com/office/drawing/2010/main" val="0"/>
+              </a:ext>
+            </a:extLst>
+          </a:blip>
+          <a:srcRect/>
+          <a:stretch>
+            <a:fillRect/>
+          </a:stretch>
+        </p:blipFill>
+        <p:spPr bwMode="auto">
+          <a:xfrm>
+            <a:off x="2578602" y="2952750"/>
+            <a:ext cx="3986796" cy="2795587"/>
+          </a:xfrm>
+          <a:prstGeom prst="rect">
+            <a:avLst/>
+          </a:prstGeom>
+          <a:noFill/>
+          <a:extLst>
+            <a:ext uri="{909E8E84-426E-40DD-AFC4-6F175D3DCCD1}">
+              <a14:hiddenFill xmlns:a14="http://schemas.microsoft.com/office/drawing/2010/main">
+                <a:solidFill>
+                  <a:srgbClr val="FFFFFF"/>
+                </a:solidFill>
+              </a14:hiddenFill>
+            </a:ext>
+          </a:extLst>
+        </p:spPr>
+      </p:pic>
+    </p:spTree>
+    <p:extLst>
+      <p:ext uri="{BB962C8B-B14F-4D97-AF65-F5344CB8AC3E}">
+        <p14:creationId xmlns:p14="http://schemas.microsoft.com/office/powerpoint/2010/main" val="1533473322"/>
+      </p:ext>
+    </p:extLst>
+  </p:cSld>
+  <p:clrMapOvr>
+    <a:masterClrMapping/>
+  </p:clrMapOvr>
+  <p:timing>
+    <p:tnLst>
+      <p:par>
+        <p:cTn id="1" dur="indefinite" restart="never" nodeType="tmRoot"/>
+      </p:par>
+    </p:tnLst>
+  </p:timing>
+</p:sld>
+</file>
+
+<file path=ppt/slides/slide8.xml><?xml version="1.0" encoding="utf-8"?>
+<p:sld xmlns:a="http://schemas.openxmlformats.org/drawingml/2006/main" xmlns:r="http://schemas.openxmlformats.org/officeDocument/2006/relationships" xmlns:p="http://schemas.openxmlformats.org/presentationml/2006/main">
+  <p:cSld>
+    <p:spTree>
+      <p:nvGrpSpPr>
+        <p:cNvPr id="1" name=""/>
+        <p:cNvGrpSpPr/>
+        <p:nvPr/>
+      </p:nvGrpSpPr>
+      <p:grpSpPr>
+        <a:xfrm>
+          <a:off x="0" y="0"/>
+          <a:ext cx="0" cy="0"/>
+          <a:chOff x="0" y="0"/>
+          <a:chExt cx="0" cy="0"/>
+        </a:xfrm>
+      </p:grpSpPr>
+      <p:sp>
+        <p:nvSpPr>
+          <p:cNvPr id="2" name="Title 1"/>
+          <p:cNvSpPr>
+            <a:spLocks noGrp="1"/>
+          </p:cNvSpPr>
+          <p:nvPr>
+            <p:ph type="title"/>
+          </p:nvPr>
+        </p:nvSpPr>
+        <p:spPr>
+          <a:xfrm>
+            <a:off x="457200" y="449932"/>
+            <a:ext cx="8286750" cy="1150353"/>
+          </a:xfrm>
+        </p:spPr>
+        <p:txBody>
+          <a:bodyPr/>
+          <a:lstStyle/>
+          <a:p>
+            <a:r>
+              <a:rPr lang="en-CA" dirty="0" smtClean="0">
+                <a:latin typeface="+mn-lt"/>
+              </a:rPr>
+              <a:t>Normal Distribution (cont’d)</a:t>
+            </a:r>
+            <a:endParaRPr lang="en-CA" dirty="0">
+              <a:latin typeface="+mn-lt"/>
+            </a:endParaRPr>
+          </a:p>
+        </p:txBody>
+      </p:sp>
+      <p:sp>
+        <p:nvSpPr>
+          <p:cNvPr id="3" name="Content Placeholder 2"/>
+          <p:cNvSpPr>
+            <a:spLocks noGrp="1"/>
+          </p:cNvSpPr>
+          <p:nvPr>
+            <p:ph idx="1"/>
+          </p:nvPr>
+        </p:nvSpPr>
+        <p:spPr>
+          <a:xfrm>
+            <a:off x="457200" y="1756947"/>
+            <a:ext cx="8286750" cy="3300828"/>
+          </a:xfrm>
+        </p:spPr>
+        <p:txBody>
+          <a:bodyPr>
+            <a:normAutofit/>
+          </a:bodyPr>
+          <a:lstStyle/>
+          <a:p>
+            <a:endParaRPr lang="en-CA" dirty="0" smtClean="0">
+              <a:latin typeface="+mn-lt"/>
+            </a:endParaRPr>
+          </a:p>
+        </p:txBody>
+      </p:sp>
+      <p:graphicFrame>
+        <p:nvGraphicFramePr>
+          <p:cNvPr id="6" name="Table 5"/>
+          <p:cNvGraphicFramePr>
+            <a:graphicFrameLocks noGrp="1"/>
+          </p:cNvGraphicFramePr>
+          <p:nvPr>
+            <p:extLst>
+              <p:ext uri="{D42A27DB-BD31-4B8C-83A1-F6EECF244321}">
+                <p14:modId xmlns:p14="http://schemas.microsoft.com/office/powerpoint/2010/main" val="130063947"/>
+              </p:ext>
+            </p:extLst>
+          </p:nvPr>
+        </p:nvGraphicFramePr>
+        <p:xfrm>
+          <a:off x="581024" y="1810922"/>
+          <a:ext cx="8124825" cy="1889760"/>
+        </p:xfrm>
+        <a:graphic>
+          <a:graphicData uri="http://schemas.openxmlformats.org/drawingml/2006/table">
+            <a:tbl>
+              <a:tblPr firstRow="1" bandRow="1">
+                <a:tableStyleId>{5C22544A-7EE6-4342-B048-85BDC9FD1C3A}</a:tableStyleId>
+              </a:tblPr>
+              <a:tblGrid>
+                <a:gridCol w="2708275"/>
+                <a:gridCol w="2708275"/>
+                <a:gridCol w="2708275"/>
+              </a:tblGrid>
+              <a:tr h="370840">
+                <a:tc>
+                  <a:txBody>
+                    <a:bodyPr/>
+                    <a:lstStyle/>
+                    <a:p>
+                      <a:pPr algn="ctr" rtl="0" fontAlgn="t">
+                        <a:spcBef>
+                          <a:spcPts val="0"/>
+                        </a:spcBef>
+                        <a:spcAft>
+                          <a:spcPts val="0"/>
+                        </a:spcAft>
+                      </a:pPr>
+                      <a:r>
+                        <a:rPr lang="en-CA" sz="2100" b="1" i="0" u="none" strike="noStrike" dirty="0">
+                          <a:solidFill>
+                            <a:srgbClr val="000000"/>
+                          </a:solidFill>
+                          <a:effectLst/>
+                          <a:latin typeface="+mn-lt"/>
+                        </a:rPr>
+                        <a:t>Range</a:t>
+                      </a:r>
+                      <a:endParaRPr lang="en-CA" sz="2100" dirty="0">
+                        <a:effectLst/>
+                        <a:latin typeface="+mn-lt"/>
+                      </a:endParaRPr>
+                    </a:p>
+                  </a:txBody>
+                  <a:tcPr marL="76200" marR="76200" marT="76200" marB="76200"/>
+                </a:tc>
+                <a:tc>
+                  <a:txBody>
+                    <a:bodyPr/>
+                    <a:lstStyle/>
+                    <a:p>
+                      <a:pPr algn="ctr" rtl="0" fontAlgn="t">
+                        <a:spcBef>
+                          <a:spcPts val="0"/>
+                        </a:spcBef>
+                        <a:spcAft>
+                          <a:spcPts val="0"/>
+                        </a:spcAft>
+                      </a:pPr>
+                      <a:r>
+                        <a:rPr lang="en-CA" sz="2100" b="1" i="0" u="none" strike="noStrike" dirty="0" smtClean="0">
+                          <a:solidFill>
+                            <a:srgbClr val="000000"/>
+                          </a:solidFill>
+                          <a:effectLst/>
+                          <a:latin typeface="+mn-lt"/>
+                        </a:rPr>
+                        <a:t>All Distributions</a:t>
+                      </a:r>
+                      <a:endParaRPr lang="en-CA" sz="2100" dirty="0">
+                        <a:effectLst/>
+                        <a:latin typeface="+mn-lt"/>
+                      </a:endParaRPr>
+                    </a:p>
+                  </a:txBody>
+                  <a:tcPr marL="76200" marR="76200" marT="76200" marB="76200"/>
+                </a:tc>
+                <a:tc>
+                  <a:txBody>
+                    <a:bodyPr/>
+                    <a:lstStyle/>
+                    <a:p>
+                      <a:pPr algn="ctr" rtl="0" fontAlgn="t">
+                        <a:spcBef>
+                          <a:spcPts val="0"/>
+                        </a:spcBef>
+                        <a:spcAft>
+                          <a:spcPts val="0"/>
+                        </a:spcAft>
+                      </a:pPr>
+                      <a:r>
+                        <a:rPr lang="en-CA" sz="2100" b="1" i="0" u="none" strike="noStrike" dirty="0" smtClean="0">
+                          <a:solidFill>
+                            <a:srgbClr val="000000"/>
+                          </a:solidFill>
+                          <a:effectLst/>
+                          <a:latin typeface="+mn-lt"/>
+                        </a:rPr>
+                        <a:t>Normal</a:t>
+                      </a:r>
+                      <a:endParaRPr lang="en-CA" sz="2100" dirty="0">
+                        <a:effectLst/>
+                        <a:latin typeface="+mn-lt"/>
+                      </a:endParaRPr>
+                    </a:p>
+                  </a:txBody>
+                  <a:tcPr marL="76200" marR="76200" marT="76200" marB="76200"/>
+                </a:tc>
+              </a:tr>
+              <a:tr h="370840">
+                <a:tc>
+                  <a:txBody>
+                    <a:bodyPr/>
+                    <a:lstStyle/>
+                    <a:p>
+                      <a:pPr algn="ctr" rtl="0" fontAlgn="t">
+                        <a:spcBef>
+                          <a:spcPts val="0"/>
+                        </a:spcBef>
+                        <a:spcAft>
+                          <a:spcPts val="0"/>
+                        </a:spcAft>
+                      </a:pPr>
+                      <a:r>
+                        <a:rPr lang="en-CA" sz="2100" b="0" i="0" u="none" strike="noStrike" dirty="0">
+                          <a:solidFill>
+                            <a:srgbClr val="000000"/>
+                          </a:solidFill>
+                          <a:effectLst/>
+                          <a:latin typeface="+mn-lt"/>
+                        </a:rPr>
+                        <a:t>average ± 2 SDs</a:t>
+                      </a:r>
+                      <a:endParaRPr lang="en-CA" sz="2100" dirty="0">
+                        <a:effectLst/>
+                        <a:latin typeface="+mn-lt"/>
+                      </a:endParaRPr>
+                    </a:p>
+                  </a:txBody>
+                  <a:tcPr marL="76200" marR="76200" marT="76200" marB="76200"/>
+                </a:tc>
+                <a:tc>
+                  <a:txBody>
+                    <a:bodyPr/>
+                    <a:lstStyle/>
+                    <a:p>
+                      <a:pPr algn="ctr" rtl="0" fontAlgn="t">
+                        <a:spcBef>
+                          <a:spcPts val="0"/>
+                        </a:spcBef>
+                        <a:spcAft>
+                          <a:spcPts val="0"/>
+                        </a:spcAft>
+                      </a:pPr>
+                      <a:r>
+                        <a:rPr lang="en-CA" sz="2100" b="0" i="0" u="none" strike="noStrike" dirty="0">
+                          <a:solidFill>
+                            <a:srgbClr val="000000"/>
+                          </a:solidFill>
+                          <a:effectLst/>
+                          <a:latin typeface="+mn-lt"/>
+                        </a:rPr>
+                        <a:t>at least </a:t>
+                      </a:r>
+                      <a:r>
+                        <a:rPr lang="en-CA" sz="2100" b="0" i="0" u="none" strike="noStrike" dirty="0" smtClean="0">
+                          <a:solidFill>
+                            <a:srgbClr val="000000"/>
+                          </a:solidFill>
+                          <a:effectLst/>
+                          <a:latin typeface="+mn-lt"/>
+                        </a:rPr>
+                        <a:t>0%</a:t>
+                      </a:r>
+                      <a:endParaRPr lang="en-CA" sz="2100" dirty="0">
+                        <a:effectLst/>
+                        <a:latin typeface="+mn-lt"/>
+                      </a:endParaRPr>
+                    </a:p>
+                  </a:txBody>
+                  <a:tcPr marL="76200" marR="76200" marT="76200" marB="76200"/>
+                </a:tc>
+                <a:tc>
+                  <a:txBody>
+                    <a:bodyPr/>
+                    <a:lstStyle/>
+                    <a:p>
+                      <a:pPr algn="ctr" rtl="0" fontAlgn="t">
+                        <a:spcBef>
+                          <a:spcPts val="0"/>
+                        </a:spcBef>
+                        <a:spcAft>
+                          <a:spcPts val="0"/>
+                        </a:spcAft>
+                      </a:pPr>
+                      <a:r>
+                        <a:rPr lang="en-CA" sz="2100" b="0" i="0" u="none" strike="noStrike" dirty="0" smtClean="0">
+                          <a:solidFill>
+                            <a:srgbClr val="000000"/>
+                          </a:solidFill>
+                          <a:effectLst/>
+                          <a:latin typeface="+mn-lt"/>
+                        </a:rPr>
+                        <a:t>68%</a:t>
+                      </a:r>
+                      <a:endParaRPr lang="en-CA" sz="2100" dirty="0">
+                        <a:effectLst/>
+                        <a:latin typeface="+mn-lt"/>
+                      </a:endParaRPr>
+                    </a:p>
+                  </a:txBody>
+                  <a:tcPr marL="76200" marR="76200" marT="76200" marB="76200"/>
+                </a:tc>
+              </a:tr>
+              <a:tr h="370840">
+                <a:tc>
+                  <a:txBody>
+                    <a:bodyPr/>
+                    <a:lstStyle/>
+                    <a:p>
+                      <a:pPr algn="ctr" rtl="0" fontAlgn="t">
+                        <a:spcBef>
+                          <a:spcPts val="0"/>
+                        </a:spcBef>
+                        <a:spcAft>
+                          <a:spcPts val="0"/>
+                        </a:spcAft>
+                      </a:pPr>
+                      <a:r>
+                        <a:rPr lang="en-CA" sz="2100" b="0" i="0" u="none" strike="noStrike" dirty="0">
+                          <a:solidFill>
+                            <a:srgbClr val="000000"/>
+                          </a:solidFill>
+                          <a:effectLst/>
+                          <a:latin typeface="+mn-lt"/>
+                        </a:rPr>
+                        <a:t>average ± 2 SDs</a:t>
+                      </a:r>
+                      <a:endParaRPr lang="en-CA" sz="2100" dirty="0">
+                        <a:effectLst/>
+                        <a:latin typeface="+mn-lt"/>
+                      </a:endParaRPr>
+                    </a:p>
+                  </a:txBody>
+                  <a:tcPr marL="76200" marR="76200" marT="76200" marB="76200"/>
+                </a:tc>
+                <a:tc>
+                  <a:txBody>
+                    <a:bodyPr/>
+                    <a:lstStyle/>
+                    <a:p>
+                      <a:pPr algn="ctr" rtl="0" fontAlgn="t">
+                        <a:spcBef>
+                          <a:spcPts val="0"/>
+                        </a:spcBef>
+                        <a:spcAft>
+                          <a:spcPts val="0"/>
+                        </a:spcAft>
+                      </a:pPr>
+                      <a:r>
+                        <a:rPr lang="en-CA" sz="2100" b="0" i="0" u="none" strike="noStrike" dirty="0">
+                          <a:solidFill>
+                            <a:srgbClr val="000000"/>
+                          </a:solidFill>
+                          <a:effectLst/>
+                          <a:latin typeface="+mn-lt"/>
+                        </a:rPr>
+                        <a:t>at least </a:t>
+                      </a:r>
+                      <a:r>
+                        <a:rPr lang="en-CA" sz="2100" b="0" i="0" u="none" strike="noStrike" dirty="0" smtClean="0">
+                          <a:solidFill>
+                            <a:srgbClr val="000000"/>
+                          </a:solidFill>
+                          <a:effectLst/>
+                          <a:latin typeface="+mn-lt"/>
+                        </a:rPr>
+                        <a:t>75%</a:t>
+                      </a:r>
+                      <a:endParaRPr lang="en-CA" sz="2100" dirty="0">
+                        <a:effectLst/>
+                        <a:latin typeface="+mn-lt"/>
+                      </a:endParaRPr>
+                    </a:p>
+                  </a:txBody>
+                  <a:tcPr marL="76200" marR="76200" marT="76200" marB="76200"/>
+                </a:tc>
+                <a:tc>
+                  <a:txBody>
+                    <a:bodyPr/>
+                    <a:lstStyle/>
+                    <a:p>
+                      <a:pPr algn="ctr" rtl="0" fontAlgn="t">
+                        <a:spcBef>
+                          <a:spcPts val="0"/>
+                        </a:spcBef>
+                        <a:spcAft>
+                          <a:spcPts val="0"/>
+                        </a:spcAft>
+                      </a:pPr>
+                      <a:r>
+                        <a:rPr lang="en-CA" sz="2100" b="0" i="0" u="none" strike="noStrike" dirty="0" smtClean="0">
+                          <a:solidFill>
+                            <a:srgbClr val="000000"/>
+                          </a:solidFill>
+                          <a:effectLst/>
+                          <a:latin typeface="+mn-lt"/>
+                        </a:rPr>
+                        <a:t>95%</a:t>
+                      </a:r>
+                      <a:endParaRPr lang="en-CA" sz="2100" dirty="0">
+                        <a:effectLst/>
+                        <a:latin typeface="+mn-lt"/>
+                      </a:endParaRPr>
+                    </a:p>
+                  </a:txBody>
+                  <a:tcPr marL="76200" marR="76200" marT="76200" marB="76200"/>
+                </a:tc>
+              </a:tr>
+              <a:tr h="370840">
+                <a:tc>
+                  <a:txBody>
+                    <a:bodyPr/>
+                    <a:lstStyle/>
+                    <a:p>
+                      <a:pPr algn="ctr" rtl="0" fontAlgn="t">
+                        <a:spcBef>
+                          <a:spcPts val="0"/>
+                        </a:spcBef>
+                        <a:spcAft>
+                          <a:spcPts val="0"/>
+                        </a:spcAft>
+                      </a:pPr>
+                      <a:r>
+                        <a:rPr lang="en-CA" sz="2100" b="0" i="0" u="none" strike="noStrike">
+                          <a:solidFill>
+                            <a:srgbClr val="000000"/>
+                          </a:solidFill>
+                          <a:effectLst/>
+                          <a:latin typeface="+mn-lt"/>
+                        </a:rPr>
+                        <a:t>average ± 3 SDs</a:t>
+                      </a:r>
+                      <a:endParaRPr lang="en-CA" sz="2100">
+                        <a:effectLst/>
+                        <a:latin typeface="+mn-lt"/>
+                      </a:endParaRPr>
+                    </a:p>
+                  </a:txBody>
+                  <a:tcPr marL="76200" marR="76200" marT="76200" marB="76200"/>
+                </a:tc>
+                <a:tc>
+                  <a:txBody>
+                    <a:bodyPr/>
+                    <a:lstStyle/>
+                    <a:p>
+                      <a:pPr algn="ctr" rtl="0" fontAlgn="t">
+                        <a:spcBef>
+                          <a:spcPts val="0"/>
+                        </a:spcBef>
+                        <a:spcAft>
+                          <a:spcPts val="0"/>
+                        </a:spcAft>
+                      </a:pPr>
+                      <a:r>
+                        <a:rPr lang="en-CA" sz="2100" b="0" i="0" u="none" strike="noStrike" dirty="0">
+                          <a:solidFill>
+                            <a:srgbClr val="000000"/>
+                          </a:solidFill>
+                          <a:effectLst/>
+                          <a:latin typeface="+mn-lt"/>
+                        </a:rPr>
+                        <a:t>at least </a:t>
+                      </a:r>
+                      <a:r>
+                        <a:rPr lang="en-CA" sz="2100" b="0" i="0" u="none" strike="noStrike" dirty="0" smtClean="0">
+                          <a:solidFill>
+                            <a:srgbClr val="000000"/>
+                          </a:solidFill>
+                          <a:effectLst/>
+                          <a:latin typeface="+mn-lt"/>
+                        </a:rPr>
+                        <a:t>88.9%</a:t>
+                      </a:r>
+                      <a:endParaRPr lang="en-CA" sz="2100" dirty="0">
+                        <a:effectLst/>
+                        <a:latin typeface="+mn-lt"/>
+                      </a:endParaRPr>
+                    </a:p>
+                  </a:txBody>
+                  <a:tcPr marL="76200" marR="76200" marT="76200" marB="76200"/>
+                </a:tc>
+                <a:tc>
+                  <a:txBody>
+                    <a:bodyPr/>
+                    <a:lstStyle/>
+                    <a:p>
+                      <a:pPr algn="ctr" rtl="0" fontAlgn="t">
+                        <a:spcBef>
+                          <a:spcPts val="0"/>
+                        </a:spcBef>
+                        <a:spcAft>
+                          <a:spcPts val="0"/>
+                        </a:spcAft>
+                      </a:pPr>
+                      <a:r>
+                        <a:rPr lang="en-CA" sz="2100" b="0" i="0" u="none" strike="noStrike" dirty="0" smtClean="0">
+                          <a:solidFill>
+                            <a:srgbClr val="000000"/>
+                          </a:solidFill>
+                          <a:effectLst/>
+                          <a:latin typeface="+mn-lt"/>
+                        </a:rPr>
+                        <a:t>99.7%</a:t>
+                      </a:r>
+                      <a:endParaRPr lang="en-CA" sz="2100" dirty="0">
+                        <a:effectLst/>
+                        <a:latin typeface="+mn-lt"/>
+                      </a:endParaRPr>
+                    </a:p>
+                  </a:txBody>
+                  <a:tcPr marL="76200" marR="76200" marT="76200" marB="76200"/>
+                </a:tc>
+              </a:tr>
+            </a:tbl>
+          </a:graphicData>
+        </a:graphic>
+      </p:graphicFrame>
+      <p:pic>
+        <p:nvPicPr>
+          <p:cNvPr id="9220" name="Picture 4" descr="https://lh3.googleusercontent.com/prQ5adsgknYOJg1BFzNPCwWGPhFKfpdbne_46uc5Gt-aXD2YjYmgTwmZ2rVDPRG-SQzLeG5HOnV_QvwNC_nw29uY_XaBUiBbm1WpaclXX1AtMzQQsiVaptpLKqOp6FM-ZVwXNvpUu4I"/>
+          <p:cNvPicPr>
+            <a:picLocks noChangeAspect="1" noChangeArrowheads="1"/>
+          </p:cNvPicPr>
+          <p:nvPr/>
+        </p:nvPicPr>
+        <p:blipFill>
+          <a:blip r:embed="rId2">
+            <a:extLst>
+              <a:ext uri="{28A0092B-C50C-407E-A947-70E740481C1C}">
+                <a14:useLocalDpi xmlns:a14="http://schemas.microsoft.com/office/drawing/2010/main" val="0"/>
+              </a:ext>
+            </a:extLst>
+          </a:blip>
+          <a:srcRect/>
+          <a:stretch>
+            <a:fillRect/>
+          </a:stretch>
+        </p:blipFill>
+        <p:spPr bwMode="auto">
+          <a:xfrm>
+            <a:off x="2680297" y="3834228"/>
+            <a:ext cx="3783407" cy="2823747"/>
+          </a:xfrm>
+          <a:prstGeom prst="rect">
+            <a:avLst/>
+          </a:prstGeom>
+          <a:noFill/>
+          <a:extLst>
+            <a:ext uri="{909E8E84-426E-40DD-AFC4-6F175D3DCCD1}">
+              <a14:hiddenFill xmlns:a14="http://schemas.microsoft.com/office/drawing/2010/main">
+                <a:solidFill>
+                  <a:srgbClr val="FFFFFF"/>
+                </a:solidFill>
+              </a14:hiddenFill>
+            </a:ext>
+          </a:extLst>
+        </p:spPr>
+      </p:pic>
+    </p:spTree>
+    <p:extLst>
+      <p:ext uri="{BB962C8B-B14F-4D97-AF65-F5344CB8AC3E}">
+        <p14:creationId xmlns:p14="http://schemas.microsoft.com/office/powerpoint/2010/main" val="3892620127"/>
+      </p:ext>
+    </p:extLst>
+  </p:cSld>
+  <p:clrMapOvr>
+    <a:masterClrMapping/>
+  </p:clrMapOvr>
+  <p:timing>
+    <p:tnLst>
+      <p:par>
+        <p:cTn id="1" dur="indefinite" restart="never" nodeType="tmRoot"/>
+      </p:par>
+    </p:tnLst>
+  </p:timing>
+</p:sld>
+</file>
+
+<file path=ppt/slides/slide9.xml><?xml version="1.0" encoding="utf-8"?>
+<p:sld xmlns:a="http://schemas.openxmlformats.org/drawingml/2006/main" xmlns:r="http://schemas.openxmlformats.org/officeDocument/2006/relationships" xmlns:p="http://schemas.openxmlformats.org/presentationml/2006/main">
+  <p:cSld>
+    <p:spTree>
+      <p:nvGrpSpPr>
+        <p:cNvPr id="1" name=""/>
+        <p:cNvGrpSpPr/>
+        <p:nvPr/>
+      </p:nvGrpSpPr>
+      <p:grpSpPr>
+        <a:xfrm>
+          <a:off x="0" y="0"/>
+          <a:ext cx="0" cy="0"/>
+          <a:chOff x="0" y="0"/>
+          <a:chExt cx="0" cy="0"/>
+        </a:xfrm>
+      </p:grpSpPr>
+      <p:sp>
+        <p:nvSpPr>
+          <p:cNvPr id="2" name="Title 1"/>
+          <p:cNvSpPr>
+            <a:spLocks noGrp="1"/>
+          </p:cNvSpPr>
+          <p:nvPr>
+            <p:ph type="title"/>
+          </p:nvPr>
+        </p:nvSpPr>
+        <p:spPr>
+          <a:xfrm>
+            <a:off x="457200" y="449932"/>
+            <a:ext cx="8286750" cy="1150353"/>
+          </a:xfrm>
+        </p:spPr>
+        <p:txBody>
+          <a:bodyPr/>
+          <a:lstStyle/>
+          <a:p>
+            <a:r>
+              <a:rPr lang="en-CA" dirty="0" smtClean="0">
+                <a:latin typeface="+mn-lt"/>
+              </a:rPr>
+              <a:t>Central Limit Theorem</a:t>
+            </a:r>
+            <a:endParaRPr lang="en-CA" dirty="0">
+              <a:latin typeface="+mn-lt"/>
+            </a:endParaRPr>
+          </a:p>
+        </p:txBody>
+      </p:sp>
+      <p:sp>
+        <p:nvSpPr>
+          <p:cNvPr id="3" name="Content Placeholder 2"/>
+          <p:cNvSpPr>
+            <a:spLocks noGrp="1"/>
+          </p:cNvSpPr>
+          <p:nvPr>
+            <p:ph idx="1"/>
+          </p:nvPr>
+        </p:nvSpPr>
+        <p:spPr>
+          <a:xfrm>
+            <a:off x="457200" y="1756947"/>
+            <a:ext cx="8286750" cy="3300828"/>
+          </a:xfrm>
+        </p:spPr>
+        <p:txBody>
+          <a:bodyPr>
+            <a:normAutofit/>
+          </a:bodyPr>
+          <a:lstStyle/>
+          <a:p>
+            <a:r>
+              <a:rPr lang="en-CA" dirty="0" smtClean="0">
+                <a:latin typeface="+mn-lt"/>
+              </a:rPr>
+              <a:t>If the sample is large and drawn at random with replacement</a:t>
+            </a:r>
+          </a:p>
+          <a:p>
+            <a:r>
+              <a:rPr lang="en-CA" dirty="0" smtClean="0">
+                <a:latin typeface="+mn-lt"/>
+              </a:rPr>
+              <a:t>Regardless of the distribution of the population, the distribution of the sample sum or average is </a:t>
+            </a:r>
+            <a:r>
+              <a:rPr lang="en-CA" b="1" dirty="0" smtClean="0">
+                <a:latin typeface="+mn-lt"/>
+              </a:rPr>
+              <a:t>roughly normal</a:t>
+            </a:r>
+          </a:p>
+          <a:p>
+            <a:r>
+              <a:rPr lang="en-CA" dirty="0" smtClean="0">
+                <a:latin typeface="+mn-lt"/>
+              </a:rPr>
+              <a:t>Distribution of the sample sum/average: </a:t>
+            </a:r>
+          </a:p>
+          <a:p>
+            <a:pPr lvl="1"/>
+            <a:r>
+              <a:rPr lang="en-CA" dirty="0" smtClean="0">
+                <a:latin typeface="+mn-lt"/>
+              </a:rPr>
+              <a:t>Many possible random samples of the same size</a:t>
+            </a:r>
+          </a:p>
+          <a:p>
+            <a:pPr lvl="1"/>
+            <a:r>
+              <a:rPr lang="en-CA" dirty="0" smtClean="0">
+                <a:latin typeface="+mn-lt"/>
+              </a:rPr>
+              <a:t>Distribution is based on the sum/average of different samples</a:t>
+            </a:r>
+          </a:p>
+          <a:p>
+            <a:pPr marL="0" indent="0">
+              <a:buNone/>
+            </a:pPr>
+            <a:endParaRPr lang="en-CA" dirty="0" smtClean="0">
+              <a:latin typeface="+mn-lt"/>
+            </a:endParaRPr>
+          </a:p>
+        </p:txBody>
+      </p:sp>
+    </p:spTree>
+    <p:extLst>
+      <p:ext uri="{BB962C8B-B14F-4D97-AF65-F5344CB8AC3E}">
+        <p14:creationId xmlns:p14="http://schemas.microsoft.com/office/powerpoint/2010/main" val="894041131"/>
       </p:ext>
     </p:extLst>
   </p:cSld>

--- a/data8/slides/lab9.pptx
+++ b/data8/slides/lab9.pptx
@@ -25,8 +25,8 @@
     <p:sldId id="295" r:id="rId13"/>
     <p:sldId id="296" r:id="rId14"/>
     <p:sldId id="297" r:id="rId15"/>
-    <p:sldId id="267" r:id="rId16"/>
-    <p:sldId id="266" r:id="rId17"/>
+    <p:sldId id="298" r:id="rId16"/>
+    <p:sldId id="267" r:id="rId17"/>
   </p:sldIdLst>
   <p:sldSz cx="9144000" cy="6858000" type="screen4x3"/>
   <p:notesSz cx="6858000" cy="9144000"/>
@@ -210,7 +210,7 @@
           <a:p>
             <a:fld id="{97CB1905-1EEB-6545-B5E2-B70E8868255E}" type="datetimeFigureOut">
               <a:rPr lang="en-US" smtClean="0"/>
-              <a:t>10/14/2019</a:t>
+              <a:t>11/8/2019</a:t>
             </a:fld>
             <a:endParaRPr lang="en-US"/>
           </a:p>
@@ -376,7 +376,7 @@
           <a:p>
             <a:fld id="{5F53F6BF-7462-9046-A2B6-90C29244BD27}" type="datetimeFigureOut">
               <a:rPr lang="en-US" smtClean="0"/>
-              <a:t>10/14/2019</a:t>
+              <a:t>11/8/2019</a:t>
             </a:fld>
             <a:endParaRPr lang="en-US"/>
           </a:p>
@@ -643,6 +643,90 @@
     </a:lvl9pPr>
   </p:notesStyle>
 </p:notesMaster>
+</file>
+
+<file path=ppt/notesSlides/notesSlide1.xml><?xml version="1.0" encoding="utf-8"?>
+<p:notes xmlns:a="http://schemas.openxmlformats.org/drawingml/2006/main" xmlns:r="http://schemas.openxmlformats.org/officeDocument/2006/relationships" xmlns:p="http://schemas.openxmlformats.org/presentationml/2006/main">
+  <p:cSld>
+    <p:spTree>
+      <p:nvGrpSpPr>
+        <p:cNvPr id="1" name=""/>
+        <p:cNvGrpSpPr/>
+        <p:nvPr/>
+      </p:nvGrpSpPr>
+      <p:grpSpPr>
+        <a:xfrm>
+          <a:off x="0" y="0"/>
+          <a:ext cx="0" cy="0"/>
+          <a:chOff x="0" y="0"/>
+          <a:chExt cx="0" cy="0"/>
+        </a:xfrm>
+      </p:grpSpPr>
+      <p:sp>
+        <p:nvSpPr>
+          <p:cNvPr id="2" name="Slide Image Placeholder 1"/>
+          <p:cNvSpPr>
+            <a:spLocks noGrp="1" noRot="1" noChangeAspect="1"/>
+          </p:cNvSpPr>
+          <p:nvPr>
+            <p:ph type="sldImg"/>
+          </p:nvPr>
+        </p:nvSpPr>
+        <p:spPr/>
+      </p:sp>
+      <p:sp>
+        <p:nvSpPr>
+          <p:cNvPr id="3" name="Notes Placeholder 2"/>
+          <p:cNvSpPr>
+            <a:spLocks noGrp="1"/>
+          </p:cNvSpPr>
+          <p:nvPr>
+            <p:ph type="body" idx="1"/>
+          </p:nvPr>
+        </p:nvSpPr>
+        <p:spPr/>
+        <p:txBody>
+          <a:bodyPr/>
+          <a:lstStyle/>
+          <a:p>
+            <a:endParaRPr lang="en-CA" dirty="0"/>
+          </a:p>
+        </p:txBody>
+      </p:sp>
+      <p:sp>
+        <p:nvSpPr>
+          <p:cNvPr id="4" name="Slide Number Placeholder 3"/>
+          <p:cNvSpPr>
+            <a:spLocks noGrp="1"/>
+          </p:cNvSpPr>
+          <p:nvPr>
+            <p:ph type="sldNum" sz="quarter" idx="10"/>
+          </p:nvPr>
+        </p:nvSpPr>
+        <p:spPr/>
+        <p:txBody>
+          <a:bodyPr/>
+          <a:lstStyle/>
+          <a:p>
+            <a:fld id="{84B7DBC5-2A13-CA47-B9EE-6017A92B6B18}" type="slidenum">
+              <a:rPr lang="en-US" smtClean="0"/>
+              <a:t>1</a:t>
+            </a:fld>
+            <a:endParaRPr lang="en-US"/>
+          </a:p>
+        </p:txBody>
+      </p:sp>
+    </p:spTree>
+    <p:extLst>
+      <p:ext uri="{BB962C8B-B14F-4D97-AF65-F5344CB8AC3E}">
+        <p14:creationId xmlns:p14="http://schemas.microsoft.com/office/powerpoint/2010/main" val="3312752875"/>
+      </p:ext>
+    </p:extLst>
+  </p:cSld>
+  <p:clrMapOvr>
+    <a:masterClrMapping/>
+  </p:clrMapOvr>
+</p:notes>
 </file>
 
 <file path=ppt/slideLayouts/slideLayout1.xml><?xml version="1.0" encoding="utf-8"?>
@@ -7660,16 +7744,7 @@
                 </a:solidFill>
                 <a:latin typeface="Avenir LT Std 45 Book" pitchFamily="34" charset="0"/>
               </a:rPr>
-              <a:t>Data 8, Lab </a:t>
-            </a:r>
-            <a:r>
-              <a:rPr lang="en-US" dirty="0" smtClean="0">
-                <a:solidFill>
-                  <a:srgbClr val="C28220"/>
-                </a:solidFill>
-                <a:latin typeface="Avenir LT Std 45 Book" pitchFamily="34" charset="0"/>
-              </a:rPr>
-              <a:t>9</a:t>
+              <a:t>Data 8, Lab 9</a:t>
             </a:r>
             <a:endParaRPr lang="en-US" dirty="0">
               <a:solidFill>
@@ -7817,86 +7892,218 @@
           </a:p>
         </p:txBody>
       </p:sp>
-      <p:sp>
-        <p:nvSpPr>
-          <p:cNvPr id="3" name="Content Placeholder 2"/>
-          <p:cNvSpPr>
-            <a:spLocks noGrp="1"/>
-          </p:cNvSpPr>
-          <p:nvPr>
-            <p:ph idx="1"/>
-          </p:nvPr>
-        </p:nvSpPr>
-        <p:spPr>
-          <a:xfrm>
-            <a:off x="457200" y="1756947"/>
-            <a:ext cx="8286750" cy="3300828"/>
-          </a:xfrm>
-        </p:spPr>
-        <p:txBody>
-          <a:bodyPr>
-            <a:normAutofit/>
-          </a:bodyPr>
-          <a:lstStyle/>
-          <a:p>
-            <a:r>
-              <a:rPr lang="en-CA" dirty="0" smtClean="0">
-                <a:latin typeface="+mn-lt"/>
-              </a:rPr>
-              <a:t>As the sample size increases, the sample mean is more likely to be closer to the population mean</a:t>
-            </a:r>
-          </a:p>
-          <a:p>
-            <a:r>
-              <a:rPr lang="en-CA" dirty="0" smtClean="0">
-                <a:latin typeface="+mn-lt"/>
-              </a:rPr>
-              <a:t>Therefore: the distribution of sample means will have lower SD – a “narrower bell”</a:t>
-            </a:r>
-          </a:p>
-        </p:txBody>
-      </p:sp>
-      <p:pic>
-        <p:nvPicPr>
-          <p:cNvPr id="10242" name="Picture 2" descr="https://lh6.googleusercontent.com/KJRSPHc-gY2HN2dq8JC37QZrC7KgTtYK06QuzIuGfEeMmuHHDN8I1Czw3w6NW1kCJvCOk7yBywWhZz9uT7PSO4-oVLux10WEgJ7NZnrHSqa0D6JL5NKKKh_DibB_0bnPfVxA1rArEG8"/>
-          <p:cNvPicPr>
-            <a:picLocks noChangeAspect="1" noChangeArrowheads="1"/>
-          </p:cNvPicPr>
-          <p:nvPr/>
-        </p:nvPicPr>
-        <p:blipFill>
-          <a:blip r:embed="rId2">
-            <a:extLst>
-              <a:ext uri="{28A0092B-C50C-407E-A947-70E740481C1C}">
-                <a14:useLocalDpi xmlns:a14="http://schemas.microsoft.com/office/drawing/2010/main" val="0"/>
-              </a:ext>
-            </a:extLst>
-          </a:blip>
-          <a:srcRect/>
-          <a:stretch>
-            <a:fillRect/>
-          </a:stretch>
-        </p:blipFill>
-        <p:spPr bwMode="auto">
-          <a:xfrm>
-            <a:off x="2200128" y="3305175"/>
-            <a:ext cx="4743745" cy="2465388"/>
-          </a:xfrm>
-          <a:prstGeom prst="rect">
-            <a:avLst/>
-          </a:prstGeom>
-          <a:noFill/>
-          <a:extLst>
-            <a:ext uri="{909E8E84-426E-40DD-AFC4-6F175D3DCCD1}">
-              <a14:hiddenFill xmlns:a14="http://schemas.microsoft.com/office/drawing/2010/main">
-                <a:solidFill>
-                  <a:srgbClr val="FFFFFF"/>
-                </a:solidFill>
-              </a14:hiddenFill>
-            </a:ext>
-          </a:extLst>
-        </p:spPr>
-      </p:pic>
+      <mc:AlternateContent xmlns:mc="http://schemas.openxmlformats.org/markup-compatibility/2006" xmlns:a14="http://schemas.microsoft.com/office/drawing/2010/main">
+        <mc:Choice Requires="a14">
+          <p:sp>
+            <p:nvSpPr>
+              <p:cNvPr id="3" name="Content Placeholder 2"/>
+              <p:cNvSpPr>
+                <a:spLocks noGrp="1"/>
+              </p:cNvSpPr>
+              <p:nvPr>
+                <p:ph idx="1"/>
+              </p:nvPr>
+            </p:nvSpPr>
+            <p:spPr>
+              <a:xfrm>
+                <a:off x="457200" y="1756947"/>
+                <a:ext cx="8286750" cy="3300828"/>
+              </a:xfrm>
+            </p:spPr>
+            <p:txBody>
+              <a:bodyPr>
+                <a:normAutofit/>
+              </a:bodyPr>
+              <a:lstStyle/>
+              <a:p>
+                <a:r>
+                  <a:rPr lang="en-CA" dirty="0" smtClean="0">
+                    <a:latin typeface="+mn-lt"/>
+                  </a:rPr>
+                  <a:t>As the sample size increases, the sample mean is more likely to be closer to the population mean</a:t>
+                </a:r>
+              </a:p>
+              <a:p>
+                <a:r>
+                  <a:rPr lang="en-CA" dirty="0" smtClean="0">
+                    <a:latin typeface="+mn-lt"/>
+                  </a:rPr>
+                  <a:t>As a result, the distribution of sample means will have lower SD – a “narrower bell shape” when the sample size increases</a:t>
+                </a:r>
+              </a:p>
+              <a:p>
+                <a:endParaRPr lang="en-CA" dirty="0">
+                  <a:latin typeface="+mn-lt"/>
+                </a:endParaRPr>
+              </a:p>
+              <a:p>
+                <a:pPr marL="0" indent="0">
+                  <a:buNone/>
+                </a:pPr>
+                <a14:m>
+                  <m:oMathPara xmlns:m="http://schemas.openxmlformats.org/officeDocument/2006/math">
+                    <m:oMathParaPr>
+                      <m:jc m:val="centerGroup"/>
+                    </m:oMathParaPr>
+                    <m:oMath xmlns:m="http://schemas.openxmlformats.org/officeDocument/2006/math">
+                      <m:r>
+                        <a:rPr lang="en-CA" i="1">
+                          <a:latin typeface="Cambria Math"/>
+                        </a:rPr>
+                        <m:t>𝑆𝐷</m:t>
+                      </m:r>
+                      <m:r>
+                        <a:rPr lang="en-CA" i="1">
+                          <a:latin typeface="Cambria Math"/>
+                        </a:rPr>
+                        <m:t> </m:t>
+                      </m:r>
+                      <m:r>
+                        <a:rPr lang="en-CA" i="1">
+                          <a:latin typeface="Cambria Math"/>
+                        </a:rPr>
+                        <m:t>𝑜𝑓</m:t>
+                      </m:r>
+                      <m:r>
+                        <a:rPr lang="en-CA" i="1">
+                          <a:latin typeface="Cambria Math"/>
+                        </a:rPr>
+                        <m:t> </m:t>
+                      </m:r>
+                      <m:r>
+                        <a:rPr lang="en-CA" i="1">
+                          <a:latin typeface="Cambria Math"/>
+                        </a:rPr>
+                        <m:t>𝑆𝑎𝑚𝑝𝑙𝑒</m:t>
+                      </m:r>
+                      <m:r>
+                        <a:rPr lang="en-CA" i="1">
+                          <a:latin typeface="Cambria Math"/>
+                        </a:rPr>
+                        <m:t> </m:t>
+                      </m:r>
+                      <m:r>
+                        <a:rPr lang="en-CA" i="1">
+                          <a:latin typeface="Cambria Math"/>
+                        </a:rPr>
+                        <m:t>𝑀𝑒𝑎𝑛𝑠</m:t>
+                      </m:r>
+                      <m:r>
+                        <a:rPr lang="en-CA" i="1">
+                          <a:latin typeface="Cambria Math"/>
+                        </a:rPr>
+                        <m:t>= </m:t>
+                      </m:r>
+                      <m:f>
+                        <m:fPr>
+                          <m:ctrlPr>
+                            <a:rPr lang="en-CA" i="1">
+                              <a:latin typeface="Cambria Math"/>
+                            </a:rPr>
+                          </m:ctrlPr>
+                        </m:fPr>
+                        <m:num>
+                          <m:r>
+                            <a:rPr lang="en-CA" i="1">
+                              <a:latin typeface="Cambria Math"/>
+                            </a:rPr>
+                            <m:t>𝑃𝑜𝑝𝑢𝑙𝑎𝑡𝑖𝑜𝑛</m:t>
+                          </m:r>
+                          <m:r>
+                            <a:rPr lang="en-CA" i="1">
+                              <a:latin typeface="Cambria Math"/>
+                            </a:rPr>
+                            <m:t> </m:t>
+                          </m:r>
+                          <m:r>
+                            <a:rPr lang="en-CA" i="1">
+                              <a:latin typeface="Cambria Math"/>
+                            </a:rPr>
+                            <m:t>𝑆𝐷</m:t>
+                          </m:r>
+                        </m:num>
+                        <m:den>
+                          <m:rad>
+                            <m:radPr>
+                              <m:degHide m:val="on"/>
+                              <m:ctrlPr>
+                                <a:rPr lang="en-CA" i="1">
+                                  <a:latin typeface="Cambria Math"/>
+                                </a:rPr>
+                              </m:ctrlPr>
+                            </m:radPr>
+                            <m:deg/>
+                            <m:e>
+                              <m:r>
+                                <a:rPr lang="en-CA" i="1">
+                                  <a:latin typeface="Cambria Math"/>
+                                </a:rPr>
+                                <m:t>𝑆𝑎𝑚𝑝𝑙𝑒</m:t>
+                              </m:r>
+                              <m:r>
+                                <a:rPr lang="en-CA" i="1">
+                                  <a:latin typeface="Cambria Math"/>
+                                </a:rPr>
+                                <m:t> </m:t>
+                              </m:r>
+                              <m:r>
+                                <a:rPr lang="en-CA" i="1">
+                                  <a:latin typeface="Cambria Math"/>
+                                </a:rPr>
+                                <m:t>𝑆𝑖𝑧𝑒</m:t>
+                              </m:r>
+                            </m:e>
+                          </m:rad>
+                        </m:den>
+                      </m:f>
+                    </m:oMath>
+                  </m:oMathPara>
+                </a14:m>
+                <a:endParaRPr lang="en-CA" dirty="0" smtClean="0">
+                  <a:latin typeface="+mn-lt"/>
+                </a:endParaRPr>
+              </a:p>
+            </p:txBody>
+          </p:sp>
+        </mc:Choice>
+        <mc:Fallback xmlns="">
+          <p:sp>
+            <p:nvSpPr>
+              <p:cNvPr id="3" name="Content Placeholder 2"/>
+              <p:cNvSpPr>
+                <a:spLocks noGrp="1" noRot="1" noChangeAspect="1" noMove="1" noResize="1" noEditPoints="1" noAdjustHandles="1" noChangeArrowheads="1" noChangeShapeType="1" noTextEdit="1"/>
+              </p:cNvSpPr>
+              <p:nvPr>
+                <p:ph idx="1"/>
+              </p:nvPr>
+            </p:nvSpPr>
+            <p:spPr>
+              <a:xfrm>
+                <a:off x="457200" y="1756947"/>
+                <a:ext cx="8286750" cy="3300828"/>
+              </a:xfrm>
+              <a:blipFill rotWithShape="1">
+                <a:blip r:embed="rId2"/>
+                <a:stretch>
+                  <a:fillRect l="-809" t="-1107"/>
+                </a:stretch>
+              </a:blipFill>
+            </p:spPr>
+            <p:txBody>
+              <a:bodyPr/>
+              <a:lstStyle/>
+              <a:p>
+                <a:r>
+                  <a:rPr lang="en-CA">
+                    <a:noFill/>
+                  </a:rPr>
+                  <a:t> </a:t>
+                </a:r>
+              </a:p>
+            </p:txBody>
+          </p:sp>
+        </mc:Fallback>
+      </mc:AlternateContent>
     </p:spTree>
     <p:extLst>
       <p:ext uri="{BB962C8B-B14F-4D97-AF65-F5344CB8AC3E}">
@@ -7958,7 +8165,7 @@
               <a:rPr lang="en-CA" dirty="0" smtClean="0">
                 <a:latin typeface="+mn-lt"/>
               </a:rPr>
-              <a:t>Announcements</a:t>
+              <a:t>Distribution of Sample Mean</a:t>
             </a:r>
             <a:endParaRPr lang="en-CA" dirty="0">
               <a:latin typeface="+mn-lt"/>
@@ -7979,23 +8186,69 @@
         <p:spPr>
           <a:xfrm>
             <a:off x="457200" y="1756947"/>
-            <a:ext cx="8286750" cy="3596103"/>
+            <a:ext cx="8286750" cy="3300828"/>
           </a:xfrm>
         </p:spPr>
         <p:txBody>
-          <a:bodyPr/>
+          <a:bodyPr>
+            <a:normAutofit/>
+          </a:bodyPr>
           <a:lstStyle/>
           <a:p>
-            <a:endParaRPr lang="en-CA" dirty="0">
+            <a:pPr marL="0" indent="0">
+              <a:buNone/>
+            </a:pPr>
+            <a:endParaRPr lang="en-CA" dirty="0" smtClean="0">
               <a:latin typeface="+mn-lt"/>
             </a:endParaRPr>
           </a:p>
         </p:txBody>
       </p:sp>
+      <p:pic>
+        <p:nvPicPr>
+          <p:cNvPr id="5" name="Picture 2" descr="https://lh6.googleusercontent.com/KJRSPHc-gY2HN2dq8JC37QZrC7KgTtYK06QuzIuGfEeMmuHHDN8I1Czw3w6NW1kCJvCOk7yBywWhZz9uT7PSO4-oVLux10WEgJ7NZnrHSqa0D6JL5NKKKh_DibB_0bnPfVxA1rArEG8"/>
+          <p:cNvPicPr>
+            <a:picLocks noChangeAspect="1" noChangeArrowheads="1"/>
+          </p:cNvPicPr>
+          <p:nvPr/>
+        </p:nvPicPr>
+        <p:blipFill>
+          <a:blip r:embed="rId2">
+            <a:extLst>
+              <a:ext uri="{28A0092B-C50C-407E-A947-70E740481C1C}">
+                <a14:useLocalDpi xmlns:a14="http://schemas.microsoft.com/office/drawing/2010/main" val="0"/>
+              </a:ext>
+            </a:extLst>
+          </a:blip>
+          <a:srcRect/>
+          <a:stretch>
+            <a:fillRect/>
+          </a:stretch>
+        </p:blipFill>
+        <p:spPr bwMode="auto">
+          <a:xfrm>
+            <a:off x="1558750" y="1862974"/>
+            <a:ext cx="6026500" cy="3132053"/>
+          </a:xfrm>
+          <a:prstGeom prst="rect">
+            <a:avLst/>
+          </a:prstGeom>
+          <a:noFill/>
+          <a:extLst>
+            <a:ext uri="{909E8E84-426E-40DD-AFC4-6F175D3DCCD1}">
+              <a14:hiddenFill xmlns:a14="http://schemas.microsoft.com/office/drawing/2010/main">
+                <a:solidFill>
+                  <a:srgbClr val="FFFFFF"/>
+                </a:solidFill>
+              </a14:hiddenFill>
+            </a:ext>
+          </a:extLst>
+        </p:spPr>
+      </p:pic>
     </p:spTree>
     <p:extLst>
       <p:ext uri="{BB962C8B-B14F-4D97-AF65-F5344CB8AC3E}">
-        <p14:creationId xmlns:p14="http://schemas.microsoft.com/office/powerpoint/2010/main" val="203414778"/>
+        <p14:creationId xmlns:p14="http://schemas.microsoft.com/office/powerpoint/2010/main" val="3480084084"/>
       </p:ext>
     </p:extLst>
   </p:cSld>
@@ -8053,7 +8306,7 @@
               <a:rPr lang="en-CA" dirty="0" smtClean="0">
                 <a:latin typeface="+mn-lt"/>
               </a:rPr>
-              <a:t>Lab Notebook</a:t>
+              <a:t>Announcements</a:t>
             </a:r>
             <a:endParaRPr lang="en-CA" dirty="0">
               <a:latin typeface="+mn-lt"/>
@@ -8081,22 +8334,38 @@
           <a:bodyPr/>
           <a:lstStyle/>
           <a:p>
-            <a:pPr marL="0" indent="0">
-              <a:buNone/>
-            </a:pPr>
-            <a:r>
-              <a:rPr lang="en-CA" smtClean="0">
-                <a:latin typeface="Avenir LT Std 45 Book" pitchFamily="34" charset="0"/>
+            <a:r>
+              <a:rPr lang="en-CA" dirty="0" smtClean="0">
+                <a:latin typeface="+mn-lt"/>
               </a:rPr>
-              <a:t>TBD</a:t>
-            </a:r>
+              <a:t>Checkpoint 2 of Project 2 due today (11/8)</a:t>
+            </a:r>
+          </a:p>
+          <a:p>
+            <a:r>
+              <a:rPr lang="en-CA" dirty="0" smtClean="0">
+                <a:latin typeface="+mn-lt"/>
+              </a:rPr>
+              <a:t>Homework 10 due next Thursday (11/14)</a:t>
+            </a:r>
+          </a:p>
+          <a:p>
+            <a:r>
+              <a:rPr lang="en-CA" dirty="0" smtClean="0">
+                <a:latin typeface="+mn-lt"/>
+              </a:rPr>
+              <a:t>No class next Monday (11/11)</a:t>
+            </a:r>
+            <a:endParaRPr lang="en-CA" dirty="0">
+              <a:latin typeface="+mn-lt"/>
+            </a:endParaRPr>
           </a:p>
         </p:txBody>
       </p:sp>
     </p:spTree>
     <p:extLst>
       <p:ext uri="{BB962C8B-B14F-4D97-AF65-F5344CB8AC3E}">
-        <p14:creationId xmlns:p14="http://schemas.microsoft.com/office/powerpoint/2010/main" val="687167673"/>
+        <p14:creationId xmlns:p14="http://schemas.microsoft.com/office/powerpoint/2010/main" val="203414778"/>
       </p:ext>
     </p:extLst>
   </p:cSld>
@@ -9433,7 +9702,7 @@
           <p:nvPr>
             <p:extLst>
               <p:ext uri="{D42A27DB-BD31-4B8C-83A1-F6EECF244321}">
-                <p14:modId xmlns:p14="http://schemas.microsoft.com/office/powerpoint/2010/main" val="130063947"/>
+                <p14:modId xmlns:p14="http://schemas.microsoft.com/office/powerpoint/2010/main" val="236699696"/>
               </p:ext>
             </p:extLst>
           </p:nvPr>
@@ -9570,7 +9839,27 @@
                           <a:effectLst/>
                           <a:latin typeface="+mn-lt"/>
                         </a:rPr>
-                        <a:t>average ± 2 SDs</a:t>
+                        <a:t>average ± </a:t>
+                      </a:r>
+                      <a:r>
+                        <a:rPr lang="en-CA" sz="2100" b="0" i="0" u="none" strike="noStrike" dirty="0" smtClean="0">
+                          <a:solidFill>
+                            <a:srgbClr val="000000"/>
+                          </a:solidFill>
+                          <a:effectLst/>
+                          <a:latin typeface="+mn-lt"/>
+                        </a:rPr>
+                        <a:t>1 </a:t>
+                      </a:r>
+                      <a:r>
+                        <a:rPr lang="en-CA" sz="2100" b="0" i="0" u="none" strike="noStrike" dirty="0">
+                          <a:solidFill>
+                            <a:srgbClr val="000000"/>
+                          </a:solidFill>
+                          <a:effectLst/>
+                          <a:latin typeface="+mn-lt"/>
+                        </a:rPr>
+                        <a:t>SDs</a:t>
                       </a:r>
                       <a:endParaRPr lang="en-CA" sz="2100" dirty="0">
                         <a:effectLst/>

--- a/data8/slides/lab9.pptx
+++ b/data8/slides/lab9.pptx
@@ -7781,7 +7781,13 @@
               <a:rPr lang="en-US" b="1" dirty="0" smtClean="0">
                 <a:latin typeface="Avenir LT Std 45 Book" pitchFamily="34" charset="0"/>
               </a:rPr>
-              <a:t>Skewness, Normality, and Sample Means</a:t>
+              <a:t>The Central Limit Theorem </a:t>
+            </a:r>
+            <a:r>
+              <a:rPr lang="en-US" b="1" dirty="0" smtClean="0">
+                <a:latin typeface="Avenir LT Std 45 Book" pitchFamily="34" charset="0"/>
+              </a:rPr>
+              <a:t>and Sample Means</a:t>
             </a:r>
           </a:p>
           <a:p>
